--- a/スライド/9.2~.pptx
+++ b/スライド/9.2~.pptx
@@ -5,19 +5,26 @@
     <p:sldMasterId id="2147483648" r:id="rId1"/>
   </p:sldMasterIdLst>
   <p:notesMasterIdLst>
-    <p:notesMasterId r:id="rId12"/>
+    <p:notesMasterId r:id="rId19"/>
   </p:notesMasterIdLst>
   <p:sldIdLst>
     <p:sldId id="256" r:id="rId2"/>
     <p:sldId id="257" r:id="rId3"/>
     <p:sldId id="260" r:id="rId4"/>
-    <p:sldId id="259" r:id="rId5"/>
-    <p:sldId id="261" r:id="rId6"/>
-    <p:sldId id="262" r:id="rId7"/>
-    <p:sldId id="263" r:id="rId8"/>
-    <p:sldId id="264" r:id="rId9"/>
-    <p:sldId id="266" r:id="rId10"/>
-    <p:sldId id="267" r:id="rId11"/>
+    <p:sldId id="268" r:id="rId5"/>
+    <p:sldId id="275" r:id="rId6"/>
+    <p:sldId id="274" r:id="rId7"/>
+    <p:sldId id="273" r:id="rId8"/>
+    <p:sldId id="270" r:id="rId9"/>
+    <p:sldId id="269" r:id="rId10"/>
+    <p:sldId id="272" r:id="rId11"/>
+    <p:sldId id="271" r:id="rId12"/>
+    <p:sldId id="266" r:id="rId13"/>
+    <p:sldId id="261" r:id="rId14"/>
+    <p:sldId id="262" r:id="rId15"/>
+    <p:sldId id="263" r:id="rId16"/>
+    <p:sldId id="264" r:id="rId17"/>
+    <p:sldId id="267" r:id="rId18"/>
   </p:sldIdLst>
   <p:sldSz cx="12192000" cy="6858000"/>
   <p:notesSz cx="6858000" cy="9144000"/>
@@ -218,7 +225,7 @@
           <a:p>
             <a:fld id="{1B029258-BE0D-5649-9AE6-680E382D431C}" type="datetimeFigureOut">
               <a:rPr kumimoji="1" lang="ja-JP" altLang="en-US" smtClean="0"/>
-              <a:t>2020/9/4</a:t>
+              <a:t>2020/9/11</a:t>
             </a:fld>
             <a:endParaRPr kumimoji="1" lang="ja-JP" altLang="en-US"/>
           </a:p>
@@ -604,6 +611,599 @@
 </p:notes>
 </file>
 
+<file path=ppt/notesSlides/notesSlide10.xml><?xml version="1.0" encoding="utf-8"?>
+<p:notes xmlns:a="http://schemas.openxmlformats.org/drawingml/2006/main" xmlns:r="http://schemas.openxmlformats.org/officeDocument/2006/relationships" xmlns:p="http://schemas.openxmlformats.org/presentationml/2006/main">
+  <p:cSld>
+    <p:spTree>
+      <p:nvGrpSpPr>
+        <p:cNvPr id="1" name=""/>
+        <p:cNvGrpSpPr/>
+        <p:nvPr/>
+      </p:nvGrpSpPr>
+      <p:grpSpPr>
+        <a:xfrm>
+          <a:off x="0" y="0"/>
+          <a:ext cx="0" cy="0"/>
+          <a:chOff x="0" y="0"/>
+          <a:chExt cx="0" cy="0"/>
+        </a:xfrm>
+      </p:grpSpPr>
+      <p:sp>
+        <p:nvSpPr>
+          <p:cNvPr id="2" name="スライド イメージ プレースホルダー 1"/>
+          <p:cNvSpPr>
+            <a:spLocks noGrp="1" noRot="1" noChangeAspect="1"/>
+          </p:cNvSpPr>
+          <p:nvPr>
+            <p:ph type="sldImg"/>
+          </p:nvPr>
+        </p:nvSpPr>
+        <p:spPr/>
+      </p:sp>
+      <p:sp>
+        <p:nvSpPr>
+          <p:cNvPr id="3" name="ノート プレースホルダー 2"/>
+          <p:cNvSpPr>
+            <a:spLocks noGrp="1"/>
+          </p:cNvSpPr>
+          <p:nvPr>
+            <p:ph type="body" idx="1"/>
+          </p:nvPr>
+        </p:nvSpPr>
+        <p:spPr/>
+        <p:txBody>
+          <a:bodyPr/>
+          <a:lstStyle/>
+          <a:p>
+            <a:r>
+              <a:rPr kumimoji="1" lang="ja-JP" altLang="en-US"/>
+              <a:t>理由</a:t>
+            </a:r>
+          </a:p>
+        </p:txBody>
+      </p:sp>
+      <p:sp>
+        <p:nvSpPr>
+          <p:cNvPr id="4" name="スライド番号プレースホルダー 3"/>
+          <p:cNvSpPr>
+            <a:spLocks noGrp="1"/>
+          </p:cNvSpPr>
+          <p:nvPr>
+            <p:ph type="sldNum" sz="quarter" idx="5"/>
+          </p:nvPr>
+        </p:nvSpPr>
+        <p:spPr/>
+        <p:txBody>
+          <a:bodyPr/>
+          <a:lstStyle/>
+          <a:p>
+            <a:fld id="{22FA0A2B-E422-BB46-B627-0066D20EFABF}" type="slidenum">
+              <a:rPr kumimoji="1" lang="ja-JP" altLang="en-US" smtClean="0"/>
+              <a:t>11</a:t>
+            </a:fld>
+            <a:endParaRPr kumimoji="1" lang="ja-JP" altLang="en-US"/>
+          </a:p>
+        </p:txBody>
+      </p:sp>
+    </p:spTree>
+    <p:extLst>
+      <p:ext uri="{BB962C8B-B14F-4D97-AF65-F5344CB8AC3E}">
+        <p14:creationId xmlns:p14="http://schemas.microsoft.com/office/powerpoint/2010/main" val="3626220208"/>
+      </p:ext>
+    </p:extLst>
+  </p:cSld>
+  <p:clrMapOvr>
+    <a:masterClrMapping/>
+  </p:clrMapOvr>
+</p:notes>
+</file>
+
+<file path=ppt/notesSlides/notesSlide11.xml><?xml version="1.0" encoding="utf-8"?>
+<p:notes xmlns:a="http://schemas.openxmlformats.org/drawingml/2006/main" xmlns:r="http://schemas.openxmlformats.org/officeDocument/2006/relationships" xmlns:p="http://schemas.openxmlformats.org/presentationml/2006/main">
+  <p:cSld>
+    <p:spTree>
+      <p:nvGrpSpPr>
+        <p:cNvPr id="1" name=""/>
+        <p:cNvGrpSpPr/>
+        <p:nvPr/>
+      </p:nvGrpSpPr>
+      <p:grpSpPr>
+        <a:xfrm>
+          <a:off x="0" y="0"/>
+          <a:ext cx="0" cy="0"/>
+          <a:chOff x="0" y="0"/>
+          <a:chExt cx="0" cy="0"/>
+        </a:xfrm>
+      </p:grpSpPr>
+      <p:sp>
+        <p:nvSpPr>
+          <p:cNvPr id="2" name="スライド イメージ プレースホルダー 1"/>
+          <p:cNvSpPr>
+            <a:spLocks noGrp="1" noRot="1" noChangeAspect="1"/>
+          </p:cNvSpPr>
+          <p:nvPr>
+            <p:ph type="sldImg"/>
+          </p:nvPr>
+        </p:nvSpPr>
+        <p:spPr/>
+      </p:sp>
+      <p:sp>
+        <p:nvSpPr>
+          <p:cNvPr id="3" name="ノート プレースホルダー 2"/>
+          <p:cNvSpPr>
+            <a:spLocks noGrp="1"/>
+          </p:cNvSpPr>
+          <p:nvPr>
+            <p:ph type="body" idx="1"/>
+          </p:nvPr>
+        </p:nvSpPr>
+        <p:spPr/>
+        <p:txBody>
+          <a:bodyPr/>
+          <a:lstStyle/>
+          <a:p>
+            <a:r>
+              <a:rPr kumimoji="1" lang="ja-JP" altLang="en-US"/>
+              <a:t>理由</a:t>
+            </a:r>
+          </a:p>
+        </p:txBody>
+      </p:sp>
+      <p:sp>
+        <p:nvSpPr>
+          <p:cNvPr id="4" name="スライド番号プレースホルダー 3"/>
+          <p:cNvSpPr>
+            <a:spLocks noGrp="1"/>
+          </p:cNvSpPr>
+          <p:nvPr>
+            <p:ph type="sldNum" sz="quarter" idx="5"/>
+          </p:nvPr>
+        </p:nvSpPr>
+        <p:spPr/>
+        <p:txBody>
+          <a:bodyPr/>
+          <a:lstStyle/>
+          <a:p>
+            <a:fld id="{22FA0A2B-E422-BB46-B627-0066D20EFABF}" type="slidenum">
+              <a:rPr kumimoji="1" lang="ja-JP" altLang="en-US" smtClean="0"/>
+              <a:t>12</a:t>
+            </a:fld>
+            <a:endParaRPr kumimoji="1" lang="ja-JP" altLang="en-US"/>
+          </a:p>
+        </p:txBody>
+      </p:sp>
+    </p:spTree>
+    <p:extLst>
+      <p:ext uri="{BB962C8B-B14F-4D97-AF65-F5344CB8AC3E}">
+        <p14:creationId xmlns:p14="http://schemas.microsoft.com/office/powerpoint/2010/main" val="2562268387"/>
+      </p:ext>
+    </p:extLst>
+  </p:cSld>
+  <p:clrMapOvr>
+    <a:masterClrMapping/>
+  </p:clrMapOvr>
+</p:notes>
+</file>
+
+<file path=ppt/notesSlides/notesSlide12.xml><?xml version="1.0" encoding="utf-8"?>
+<p:notes xmlns:a="http://schemas.openxmlformats.org/drawingml/2006/main" xmlns:r="http://schemas.openxmlformats.org/officeDocument/2006/relationships" xmlns:p="http://schemas.openxmlformats.org/presentationml/2006/main">
+  <p:cSld>
+    <p:spTree>
+      <p:nvGrpSpPr>
+        <p:cNvPr id="1" name=""/>
+        <p:cNvGrpSpPr/>
+        <p:nvPr/>
+      </p:nvGrpSpPr>
+      <p:grpSpPr>
+        <a:xfrm>
+          <a:off x="0" y="0"/>
+          <a:ext cx="0" cy="0"/>
+          <a:chOff x="0" y="0"/>
+          <a:chExt cx="0" cy="0"/>
+        </a:xfrm>
+      </p:grpSpPr>
+      <p:sp>
+        <p:nvSpPr>
+          <p:cNvPr id="2" name="スライド イメージ プレースホルダー 1"/>
+          <p:cNvSpPr>
+            <a:spLocks noGrp="1" noRot="1" noChangeAspect="1"/>
+          </p:cNvSpPr>
+          <p:nvPr>
+            <p:ph type="sldImg"/>
+          </p:nvPr>
+        </p:nvSpPr>
+        <p:spPr/>
+      </p:sp>
+      <p:sp>
+        <p:nvSpPr>
+          <p:cNvPr id="3" name="ノート プレースホルダー 2"/>
+          <p:cNvSpPr>
+            <a:spLocks noGrp="1"/>
+          </p:cNvSpPr>
+          <p:nvPr>
+            <p:ph type="body" idx="1"/>
+          </p:nvPr>
+        </p:nvSpPr>
+        <p:spPr/>
+        <p:txBody>
+          <a:bodyPr/>
+          <a:lstStyle/>
+          <a:p>
+            <a:pPr marL="171450" indent="-171450">
+              <a:buFont typeface="Arial" panose="020B0604020202020204" pitchFamily="34" charset="0"/>
+              <a:buChar char="•"/>
+            </a:pPr>
+            <a:r>
+              <a:rPr kumimoji="1" lang="en-US" altLang="ja-JP" dirty="0"/>
+              <a:t>main</a:t>
+            </a:r>
+            <a:r>
+              <a:rPr kumimoji="1" lang="ja-JP" altLang="en-US"/>
+              <a:t>は機能を使うだけ</a:t>
+            </a:r>
+            <a:endParaRPr kumimoji="1" lang="en-US" altLang="ja-JP" dirty="0"/>
+          </a:p>
+          <a:p>
+            <a:pPr marL="171450" indent="-171450">
+              <a:buFont typeface="Arial" panose="020B0604020202020204" pitchFamily="34" charset="0"/>
+              <a:buChar char="•"/>
+            </a:pPr>
+            <a:endParaRPr kumimoji="1" lang="en-US" altLang="ja-JP" dirty="0"/>
+          </a:p>
+          <a:p>
+            <a:pPr marL="171450" indent="-171450">
+              <a:buFont typeface="Arial" panose="020B0604020202020204" pitchFamily="34" charset="0"/>
+              <a:buChar char="•"/>
+            </a:pPr>
+            <a:r>
+              <a:rPr kumimoji="1" lang="ja-JP" altLang="en-US"/>
+              <a:t>機能は別に実装されている</a:t>
+            </a:r>
+          </a:p>
+        </p:txBody>
+      </p:sp>
+      <p:sp>
+        <p:nvSpPr>
+          <p:cNvPr id="4" name="スライド番号プレースホルダー 3"/>
+          <p:cNvSpPr>
+            <a:spLocks noGrp="1"/>
+          </p:cNvSpPr>
+          <p:nvPr>
+            <p:ph type="sldNum" sz="quarter" idx="5"/>
+          </p:nvPr>
+        </p:nvSpPr>
+        <p:spPr/>
+        <p:txBody>
+          <a:bodyPr/>
+          <a:lstStyle/>
+          <a:p>
+            <a:fld id="{22FA0A2B-E422-BB46-B627-0066D20EFABF}" type="slidenum">
+              <a:rPr kumimoji="1" lang="ja-JP" altLang="en-US" smtClean="0"/>
+              <a:t>13</a:t>
+            </a:fld>
+            <a:endParaRPr kumimoji="1" lang="ja-JP" altLang="en-US"/>
+          </a:p>
+        </p:txBody>
+      </p:sp>
+    </p:spTree>
+    <p:extLst>
+      <p:ext uri="{BB962C8B-B14F-4D97-AF65-F5344CB8AC3E}">
+        <p14:creationId xmlns:p14="http://schemas.microsoft.com/office/powerpoint/2010/main" val="1001280085"/>
+      </p:ext>
+    </p:extLst>
+  </p:cSld>
+  <p:clrMapOvr>
+    <a:masterClrMapping/>
+  </p:clrMapOvr>
+</p:notes>
+</file>
+
+<file path=ppt/notesSlides/notesSlide13.xml><?xml version="1.0" encoding="utf-8"?>
+<p:notes xmlns:a="http://schemas.openxmlformats.org/drawingml/2006/main" xmlns:r="http://schemas.openxmlformats.org/officeDocument/2006/relationships" xmlns:p="http://schemas.openxmlformats.org/presentationml/2006/main">
+  <p:cSld>
+    <p:spTree>
+      <p:nvGrpSpPr>
+        <p:cNvPr id="1" name=""/>
+        <p:cNvGrpSpPr/>
+        <p:nvPr/>
+      </p:nvGrpSpPr>
+      <p:grpSpPr>
+        <a:xfrm>
+          <a:off x="0" y="0"/>
+          <a:ext cx="0" cy="0"/>
+          <a:chOff x="0" y="0"/>
+          <a:chExt cx="0" cy="0"/>
+        </a:xfrm>
+      </p:grpSpPr>
+      <p:sp>
+        <p:nvSpPr>
+          <p:cNvPr id="2" name="スライド イメージ プレースホルダー 1"/>
+          <p:cNvSpPr>
+            <a:spLocks noGrp="1" noRot="1" noChangeAspect="1"/>
+          </p:cNvSpPr>
+          <p:nvPr>
+            <p:ph type="sldImg"/>
+          </p:nvPr>
+        </p:nvSpPr>
+        <p:spPr/>
+      </p:sp>
+      <p:sp>
+        <p:nvSpPr>
+          <p:cNvPr id="3" name="ノート プレースホルダー 2"/>
+          <p:cNvSpPr>
+            <a:spLocks noGrp="1"/>
+          </p:cNvSpPr>
+          <p:nvPr>
+            <p:ph type="body" idx="1"/>
+          </p:nvPr>
+        </p:nvSpPr>
+        <p:spPr/>
+        <p:txBody>
+          <a:bodyPr/>
+          <a:lstStyle/>
+          <a:p>
+            <a:endParaRPr kumimoji="1" lang="ja-JP" altLang="en-US"/>
+          </a:p>
+        </p:txBody>
+      </p:sp>
+      <p:sp>
+        <p:nvSpPr>
+          <p:cNvPr id="4" name="スライド番号プレースホルダー 3"/>
+          <p:cNvSpPr>
+            <a:spLocks noGrp="1"/>
+          </p:cNvSpPr>
+          <p:nvPr>
+            <p:ph type="sldNum" sz="quarter" idx="5"/>
+          </p:nvPr>
+        </p:nvSpPr>
+        <p:spPr/>
+        <p:txBody>
+          <a:bodyPr/>
+          <a:lstStyle/>
+          <a:p>
+            <a:fld id="{22FA0A2B-E422-BB46-B627-0066D20EFABF}" type="slidenum">
+              <a:rPr kumimoji="1" lang="ja-JP" altLang="en-US" smtClean="0"/>
+              <a:t>14</a:t>
+            </a:fld>
+            <a:endParaRPr kumimoji="1" lang="ja-JP" altLang="en-US"/>
+          </a:p>
+        </p:txBody>
+      </p:sp>
+    </p:spTree>
+    <p:extLst>
+      <p:ext uri="{BB962C8B-B14F-4D97-AF65-F5344CB8AC3E}">
+        <p14:creationId xmlns:p14="http://schemas.microsoft.com/office/powerpoint/2010/main" val="3985164375"/>
+      </p:ext>
+    </p:extLst>
+  </p:cSld>
+  <p:clrMapOvr>
+    <a:masterClrMapping/>
+  </p:clrMapOvr>
+</p:notes>
+</file>
+
+<file path=ppt/notesSlides/notesSlide14.xml><?xml version="1.0" encoding="utf-8"?>
+<p:notes xmlns:a="http://schemas.openxmlformats.org/drawingml/2006/main" xmlns:r="http://schemas.openxmlformats.org/officeDocument/2006/relationships" xmlns:p="http://schemas.openxmlformats.org/presentationml/2006/main">
+  <p:cSld>
+    <p:spTree>
+      <p:nvGrpSpPr>
+        <p:cNvPr id="1" name=""/>
+        <p:cNvGrpSpPr/>
+        <p:nvPr/>
+      </p:nvGrpSpPr>
+      <p:grpSpPr>
+        <a:xfrm>
+          <a:off x="0" y="0"/>
+          <a:ext cx="0" cy="0"/>
+          <a:chOff x="0" y="0"/>
+          <a:chExt cx="0" cy="0"/>
+        </a:xfrm>
+      </p:grpSpPr>
+      <p:sp>
+        <p:nvSpPr>
+          <p:cNvPr id="2" name="スライド イメージ プレースホルダー 1"/>
+          <p:cNvSpPr>
+            <a:spLocks noGrp="1" noRot="1" noChangeAspect="1"/>
+          </p:cNvSpPr>
+          <p:nvPr>
+            <p:ph type="sldImg"/>
+          </p:nvPr>
+        </p:nvSpPr>
+        <p:spPr/>
+      </p:sp>
+      <p:sp>
+        <p:nvSpPr>
+          <p:cNvPr id="3" name="ノート プレースホルダー 2"/>
+          <p:cNvSpPr>
+            <a:spLocks noGrp="1"/>
+          </p:cNvSpPr>
+          <p:nvPr>
+            <p:ph type="body" idx="1"/>
+          </p:nvPr>
+        </p:nvSpPr>
+        <p:spPr/>
+        <p:txBody>
+          <a:bodyPr/>
+          <a:lstStyle/>
+          <a:p>
+            <a:pPr marL="171450" indent="-171450">
+              <a:buFont typeface="Arial" panose="020B0604020202020204" pitchFamily="34" charset="0"/>
+              <a:buChar char="•"/>
+            </a:pPr>
+            <a:r>
+              <a:rPr kumimoji="1" lang="ja-JP" altLang="en-US"/>
+              <a:t>実現</a:t>
+            </a:r>
+            <a:endParaRPr kumimoji="1" lang="en-US" altLang="ja-JP" dirty="0"/>
+          </a:p>
+          <a:p>
+            <a:pPr marL="171450" indent="-171450">
+              <a:buFont typeface="Arial" panose="020B0604020202020204" pitchFamily="34" charset="0"/>
+              <a:buChar char="•"/>
+            </a:pPr>
+            <a:r>
+              <a:rPr kumimoji="1" lang="ja-JP" altLang="en-US"/>
+              <a:t>依存</a:t>
+            </a:r>
+            <a:endParaRPr kumimoji="1" lang="en-US" altLang="ja-JP" dirty="0"/>
+          </a:p>
+          <a:p>
+            <a:pPr marL="171450" indent="-171450">
+              <a:buFont typeface="Arial" panose="020B0604020202020204" pitchFamily="34" charset="0"/>
+              <a:buChar char="•"/>
+            </a:pPr>
+            <a:r>
+              <a:rPr kumimoji="1" lang="ja-JP" altLang="en-US"/>
+              <a:t>継承</a:t>
+            </a:r>
+            <a:endParaRPr kumimoji="1" lang="en-US" altLang="ja-JP" dirty="0"/>
+          </a:p>
+          <a:p>
+            <a:pPr marL="171450" indent="-171450">
+              <a:buFont typeface="Arial" panose="020B0604020202020204" pitchFamily="34" charset="0"/>
+              <a:buChar char="•"/>
+            </a:pPr>
+            <a:r>
+              <a:rPr kumimoji="1" lang="ja-JP" altLang="en-US"/>
+              <a:t>モジュール</a:t>
+            </a:r>
+            <a:endParaRPr kumimoji="1" lang="en-US" altLang="ja-JP" dirty="0"/>
+          </a:p>
+          <a:p>
+            <a:pPr marL="171450" indent="-171450">
+              <a:buFont typeface="Arial" panose="020B0604020202020204" pitchFamily="34" charset="0"/>
+              <a:buChar char="•"/>
+            </a:pPr>
+            <a:r>
+              <a:rPr kumimoji="1" lang="ja-JP" altLang="en-US"/>
+              <a:t>インターフェース</a:t>
+            </a:r>
+          </a:p>
+        </p:txBody>
+      </p:sp>
+      <p:sp>
+        <p:nvSpPr>
+          <p:cNvPr id="4" name="スライド番号プレースホルダー 3"/>
+          <p:cNvSpPr>
+            <a:spLocks noGrp="1"/>
+          </p:cNvSpPr>
+          <p:nvPr>
+            <p:ph type="sldNum" sz="quarter" idx="5"/>
+          </p:nvPr>
+        </p:nvSpPr>
+        <p:spPr/>
+        <p:txBody>
+          <a:bodyPr/>
+          <a:lstStyle/>
+          <a:p>
+            <a:fld id="{22FA0A2B-E422-BB46-B627-0066D20EFABF}" type="slidenum">
+              <a:rPr kumimoji="1" lang="ja-JP" altLang="en-US" smtClean="0"/>
+              <a:t>15</a:t>
+            </a:fld>
+            <a:endParaRPr kumimoji="1" lang="ja-JP" altLang="en-US"/>
+          </a:p>
+        </p:txBody>
+      </p:sp>
+    </p:spTree>
+    <p:extLst>
+      <p:ext uri="{BB962C8B-B14F-4D97-AF65-F5344CB8AC3E}">
+        <p14:creationId xmlns:p14="http://schemas.microsoft.com/office/powerpoint/2010/main" val="3240258163"/>
+      </p:ext>
+    </p:extLst>
+  </p:cSld>
+  <p:clrMapOvr>
+    <a:masterClrMapping/>
+  </p:clrMapOvr>
+</p:notes>
+</file>
+
+<file path=ppt/notesSlides/notesSlide15.xml><?xml version="1.0" encoding="utf-8"?>
+<p:notes xmlns:a="http://schemas.openxmlformats.org/drawingml/2006/main" xmlns:r="http://schemas.openxmlformats.org/officeDocument/2006/relationships" xmlns:p="http://schemas.openxmlformats.org/presentationml/2006/main">
+  <p:cSld>
+    <p:spTree>
+      <p:nvGrpSpPr>
+        <p:cNvPr id="1" name=""/>
+        <p:cNvGrpSpPr/>
+        <p:nvPr/>
+      </p:nvGrpSpPr>
+      <p:grpSpPr>
+        <a:xfrm>
+          <a:off x="0" y="0"/>
+          <a:ext cx="0" cy="0"/>
+          <a:chOff x="0" y="0"/>
+          <a:chExt cx="0" cy="0"/>
+        </a:xfrm>
+      </p:grpSpPr>
+      <p:sp>
+        <p:nvSpPr>
+          <p:cNvPr id="2" name="スライド イメージ プレースホルダー 1"/>
+          <p:cNvSpPr>
+            <a:spLocks noGrp="1" noRot="1" noChangeAspect="1"/>
+          </p:cNvSpPr>
+          <p:nvPr>
+            <p:ph type="sldImg"/>
+          </p:nvPr>
+        </p:nvSpPr>
+        <p:spPr/>
+      </p:sp>
+      <p:sp>
+        <p:nvSpPr>
+          <p:cNvPr id="3" name="ノート プレースホルダー 2"/>
+          <p:cNvSpPr>
+            <a:spLocks noGrp="1"/>
+          </p:cNvSpPr>
+          <p:nvPr>
+            <p:ph type="body" idx="1"/>
+          </p:nvPr>
+        </p:nvSpPr>
+        <p:spPr/>
+        <p:txBody>
+          <a:bodyPr/>
+          <a:lstStyle/>
+          <a:p>
+            <a:r>
+              <a:rPr kumimoji="1" lang="ja-JP" altLang="en-US"/>
+              <a:t>理由</a:t>
+            </a:r>
+          </a:p>
+        </p:txBody>
+      </p:sp>
+      <p:sp>
+        <p:nvSpPr>
+          <p:cNvPr id="4" name="スライド番号プレースホルダー 3"/>
+          <p:cNvSpPr>
+            <a:spLocks noGrp="1"/>
+          </p:cNvSpPr>
+          <p:nvPr>
+            <p:ph type="sldNum" sz="quarter" idx="5"/>
+          </p:nvPr>
+        </p:nvSpPr>
+        <p:spPr/>
+        <p:txBody>
+          <a:bodyPr/>
+          <a:lstStyle/>
+          <a:p>
+            <a:fld id="{22FA0A2B-E422-BB46-B627-0066D20EFABF}" type="slidenum">
+              <a:rPr kumimoji="1" lang="ja-JP" altLang="en-US" smtClean="0"/>
+              <a:t>16</a:t>
+            </a:fld>
+            <a:endParaRPr kumimoji="1" lang="ja-JP" altLang="en-US"/>
+          </a:p>
+        </p:txBody>
+      </p:sp>
+    </p:spTree>
+    <p:extLst>
+      <p:ext uri="{BB962C8B-B14F-4D97-AF65-F5344CB8AC3E}">
+        <p14:creationId xmlns:p14="http://schemas.microsoft.com/office/powerpoint/2010/main" val="3321566734"/>
+      </p:ext>
+    </p:extLst>
+  </p:cSld>
+  <p:clrMapOvr>
+    <a:masterClrMapping/>
+  </p:clrMapOvr>
+</p:notes>
+</file>
+
 <file path=ppt/notesSlides/notesSlide2.xml><?xml version="1.0" encoding="utf-8"?>
 <p:notes xmlns:a="http://schemas.openxmlformats.org/drawingml/2006/main" xmlns:r="http://schemas.openxmlformats.org/officeDocument/2006/relationships" xmlns:p="http://schemas.openxmlformats.org/presentationml/2006/main">
   <p:cSld>
@@ -735,7 +1335,10 @@
           <a:bodyPr/>
           <a:lstStyle/>
           <a:p>
-            <a:endParaRPr kumimoji="1" lang="ja-JP" altLang="en-US"/>
+            <a:r>
+              <a:rPr kumimoji="1" lang="ja-JP" altLang="en-US"/>
+              <a:t>理由</a:t>
+            </a:r>
           </a:p>
         </p:txBody>
       </p:sp>
@@ -765,7 +1368,7 @@
     </p:spTree>
     <p:extLst>
       <p:ext uri="{BB962C8B-B14F-4D97-AF65-F5344CB8AC3E}">
-        <p14:creationId xmlns:p14="http://schemas.microsoft.com/office/powerpoint/2010/main" val="830119648"/>
+        <p14:creationId xmlns:p14="http://schemas.microsoft.com/office/powerpoint/2010/main" val="1545309764"/>
       </p:ext>
     </p:extLst>
   </p:cSld>
@@ -819,36 +1422,31 @@
           <a:bodyPr/>
           <a:lstStyle/>
           <a:p>
-            <a:pPr marL="171450" indent="-171450">
-              <a:buFont typeface="Arial" panose="020B0604020202020204" pitchFamily="34" charset="0"/>
-              <a:buChar char="•"/>
-            </a:pPr>
-            <a:r>
-              <a:rPr kumimoji="1" lang="en-US" altLang="ja-JP" dirty="0"/>
-              <a:t>main</a:t>
-            </a:r>
-            <a:r>
-              <a:rPr kumimoji="1" lang="ja-JP" altLang="en-US"/>
-              <a:t>は機能を使うだけ</a:t>
+            <a:r>
+              <a:rPr kumimoji="1" lang="ja-JP" altLang="en-US"/>
+              <a:t>＊　はオプション。</a:t>
             </a:r>
             <a:endParaRPr kumimoji="1" lang="en-US" altLang="ja-JP" dirty="0"/>
           </a:p>
           <a:p>
-            <a:pPr marL="171450" indent="-171450">
-              <a:buFont typeface="Arial" panose="020B0604020202020204" pitchFamily="34" charset="0"/>
-              <a:buChar char="•"/>
-            </a:pPr>
+            <a:r>
+              <a:rPr kumimoji="1" lang="ja-JP" altLang="en-US"/>
+              <a:t>１、つければ人間ぽいものになる</a:t>
+            </a:r>
             <a:endParaRPr kumimoji="1" lang="en-US" altLang="ja-JP" dirty="0"/>
           </a:p>
           <a:p>
-            <a:pPr marL="171450" indent="-171450">
-              <a:buFont typeface="Arial" panose="020B0604020202020204" pitchFamily="34" charset="0"/>
-              <a:buChar char="•"/>
-            </a:pPr>
-            <a:r>
-              <a:rPr kumimoji="1" lang="ja-JP" altLang="en-US"/>
-              <a:t>機能は別に実装されている</a:t>
-            </a:r>
+            <a:r>
+              <a:rPr kumimoji="1" lang="ja-JP" altLang="en-US"/>
+              <a:t>２、つけなければ人間ぽくないものになる</a:t>
+            </a:r>
+            <a:endParaRPr kumimoji="1" lang="en-US" altLang="ja-JP" dirty="0"/>
+          </a:p>
+          <a:p>
+            <a:endParaRPr kumimoji="1" lang="en-US" altLang="ja-JP" dirty="0"/>
+          </a:p>
+          <a:p>
+            <a:endParaRPr kumimoji="1" lang="en-US" altLang="ja-JP" dirty="0"/>
           </a:p>
         </p:txBody>
       </p:sp>
@@ -878,7 +1476,7 @@
     </p:spTree>
     <p:extLst>
       <p:ext uri="{BB962C8B-B14F-4D97-AF65-F5344CB8AC3E}">
-        <p14:creationId xmlns:p14="http://schemas.microsoft.com/office/powerpoint/2010/main" val="1001280085"/>
+        <p14:creationId xmlns:p14="http://schemas.microsoft.com/office/powerpoint/2010/main" val="2963119551"/>
       </p:ext>
     </p:extLst>
   </p:cSld>
@@ -932,7 +1530,10 @@
           <a:bodyPr/>
           <a:lstStyle/>
           <a:p>
-            <a:endParaRPr kumimoji="1" lang="ja-JP" altLang="en-US"/>
+            <a:endParaRPr kumimoji="1" lang="en-US" altLang="ja-JP" dirty="0"/>
+          </a:p>
+          <a:p>
+            <a:endParaRPr kumimoji="1" lang="en-US" altLang="ja-JP" dirty="0"/>
           </a:p>
         </p:txBody>
       </p:sp>
@@ -962,7 +1563,7 @@
     </p:spTree>
     <p:extLst>
       <p:ext uri="{BB962C8B-B14F-4D97-AF65-F5344CB8AC3E}">
-        <p14:creationId xmlns:p14="http://schemas.microsoft.com/office/powerpoint/2010/main" val="3985164375"/>
+        <p14:creationId xmlns:p14="http://schemas.microsoft.com/office/powerpoint/2010/main" val="3098939795"/>
       </p:ext>
     </p:extLst>
   </p:cSld>
@@ -1016,57 +1617,9 @@
           <a:bodyPr/>
           <a:lstStyle/>
           <a:p>
-            <a:pPr marL="171450" indent="-171450">
-              <a:buFont typeface="Arial" panose="020B0604020202020204" pitchFamily="34" charset="0"/>
-              <a:buChar char="•"/>
-            </a:pPr>
-            <a:r>
-              <a:rPr kumimoji="1" lang="ja-JP" altLang="en-US"/>
-              <a:t>実現</a:t>
-            </a:r>
-            <a:endParaRPr kumimoji="1" lang="en-US" altLang="ja-JP" dirty="0"/>
-          </a:p>
-          <a:p>
-            <a:pPr marL="171450" indent="-171450">
-              <a:buFont typeface="Arial" panose="020B0604020202020204" pitchFamily="34" charset="0"/>
-              <a:buChar char="•"/>
-            </a:pPr>
-            <a:r>
-              <a:rPr kumimoji="1" lang="ja-JP" altLang="en-US"/>
-              <a:t>依存</a:t>
-            </a:r>
-            <a:endParaRPr kumimoji="1" lang="en-US" altLang="ja-JP" dirty="0"/>
-          </a:p>
-          <a:p>
-            <a:pPr marL="171450" indent="-171450">
-              <a:buFont typeface="Arial" panose="020B0604020202020204" pitchFamily="34" charset="0"/>
-              <a:buChar char="•"/>
-            </a:pPr>
-            <a:r>
-              <a:rPr kumimoji="1" lang="ja-JP" altLang="en-US"/>
-              <a:t>継承</a:t>
-            </a:r>
-            <a:endParaRPr kumimoji="1" lang="en-US" altLang="ja-JP" dirty="0"/>
-          </a:p>
-          <a:p>
-            <a:pPr marL="171450" indent="-171450">
-              <a:buFont typeface="Arial" panose="020B0604020202020204" pitchFamily="34" charset="0"/>
-              <a:buChar char="•"/>
-            </a:pPr>
-            <a:r>
-              <a:rPr kumimoji="1" lang="ja-JP" altLang="en-US"/>
-              <a:t>モジュール</a:t>
-            </a:r>
-            <a:endParaRPr kumimoji="1" lang="en-US" altLang="ja-JP" dirty="0"/>
-          </a:p>
-          <a:p>
-            <a:pPr marL="171450" indent="-171450">
-              <a:buFont typeface="Arial" panose="020B0604020202020204" pitchFamily="34" charset="0"/>
-              <a:buChar char="•"/>
-            </a:pPr>
-            <a:r>
-              <a:rPr kumimoji="1" lang="ja-JP" altLang="en-US"/>
-              <a:t>インターフェース</a:t>
+            <a:r>
+              <a:rPr kumimoji="1" lang="ja-JP" altLang="en-US"/>
+              <a:t>理由</a:t>
             </a:r>
           </a:p>
         </p:txBody>
@@ -1097,7 +1650,7 @@
     </p:spTree>
     <p:extLst>
       <p:ext uri="{BB962C8B-B14F-4D97-AF65-F5344CB8AC3E}">
-        <p14:creationId xmlns:p14="http://schemas.microsoft.com/office/powerpoint/2010/main" val="3240258163"/>
+        <p14:creationId xmlns:p14="http://schemas.microsoft.com/office/powerpoint/2010/main" val="969274060"/>
       </p:ext>
     </p:extLst>
   </p:cSld>
@@ -1184,7 +1737,7 @@
     </p:spTree>
     <p:extLst>
       <p:ext uri="{BB962C8B-B14F-4D97-AF65-F5344CB8AC3E}">
-        <p14:creationId xmlns:p14="http://schemas.microsoft.com/office/powerpoint/2010/main" val="3321566734"/>
+        <p14:creationId xmlns:p14="http://schemas.microsoft.com/office/powerpoint/2010/main" val="1322847298"/>
       </p:ext>
     </p:extLst>
   </p:cSld>
@@ -1240,8 +1793,29 @@
           <a:p>
             <a:r>
               <a:rPr kumimoji="1" lang="ja-JP" altLang="en-US"/>
-              <a:t>理由</a:t>
-            </a:r>
+              <a:t>＊　はオプション。</a:t>
+            </a:r>
+            <a:endParaRPr kumimoji="1" lang="en-US" altLang="ja-JP" dirty="0"/>
+          </a:p>
+          <a:p>
+            <a:r>
+              <a:rPr kumimoji="1" lang="ja-JP" altLang="en-US"/>
+              <a:t>１、つければ人間ぽいものになる</a:t>
+            </a:r>
+            <a:endParaRPr kumimoji="1" lang="en-US" altLang="ja-JP" dirty="0"/>
+          </a:p>
+          <a:p>
+            <a:r>
+              <a:rPr kumimoji="1" lang="ja-JP" altLang="en-US"/>
+              <a:t>２、つけなければ人間ぽくないものになる</a:t>
+            </a:r>
+            <a:endParaRPr kumimoji="1" lang="en-US" altLang="ja-JP" dirty="0"/>
+          </a:p>
+          <a:p>
+            <a:endParaRPr kumimoji="1" lang="en-US" altLang="ja-JP" dirty="0"/>
+          </a:p>
+          <a:p>
+            <a:endParaRPr kumimoji="1" lang="en-US" altLang="ja-JP" dirty="0"/>
           </a:p>
         </p:txBody>
       </p:sp>
@@ -1271,7 +1845,94 @@
     </p:spTree>
     <p:extLst>
       <p:ext uri="{BB962C8B-B14F-4D97-AF65-F5344CB8AC3E}">
-        <p14:creationId xmlns:p14="http://schemas.microsoft.com/office/powerpoint/2010/main" val="2562268387"/>
+        <p14:creationId xmlns:p14="http://schemas.microsoft.com/office/powerpoint/2010/main" val="925232192"/>
+      </p:ext>
+    </p:extLst>
+  </p:cSld>
+  <p:clrMapOvr>
+    <a:masterClrMapping/>
+  </p:clrMapOvr>
+</p:notes>
+</file>
+
+<file path=ppt/notesSlides/notesSlide9.xml><?xml version="1.0" encoding="utf-8"?>
+<p:notes xmlns:a="http://schemas.openxmlformats.org/drawingml/2006/main" xmlns:r="http://schemas.openxmlformats.org/officeDocument/2006/relationships" xmlns:p="http://schemas.openxmlformats.org/presentationml/2006/main">
+  <p:cSld>
+    <p:spTree>
+      <p:nvGrpSpPr>
+        <p:cNvPr id="1" name=""/>
+        <p:cNvGrpSpPr/>
+        <p:nvPr/>
+      </p:nvGrpSpPr>
+      <p:grpSpPr>
+        <a:xfrm>
+          <a:off x="0" y="0"/>
+          <a:ext cx="0" cy="0"/>
+          <a:chOff x="0" y="0"/>
+          <a:chExt cx="0" cy="0"/>
+        </a:xfrm>
+      </p:grpSpPr>
+      <p:sp>
+        <p:nvSpPr>
+          <p:cNvPr id="2" name="スライド イメージ プレースホルダー 1"/>
+          <p:cNvSpPr>
+            <a:spLocks noGrp="1" noRot="1" noChangeAspect="1"/>
+          </p:cNvSpPr>
+          <p:nvPr>
+            <p:ph type="sldImg"/>
+          </p:nvPr>
+        </p:nvSpPr>
+        <p:spPr/>
+      </p:sp>
+      <p:sp>
+        <p:nvSpPr>
+          <p:cNvPr id="3" name="ノート プレースホルダー 2"/>
+          <p:cNvSpPr>
+            <a:spLocks noGrp="1"/>
+          </p:cNvSpPr>
+          <p:nvPr>
+            <p:ph type="body" idx="1"/>
+          </p:nvPr>
+        </p:nvSpPr>
+        <p:spPr/>
+        <p:txBody>
+          <a:bodyPr/>
+          <a:lstStyle/>
+          <a:p>
+            <a:r>
+              <a:rPr kumimoji="1" lang="ja-JP" altLang="en-US"/>
+              <a:t>理由</a:t>
+            </a:r>
+          </a:p>
+        </p:txBody>
+      </p:sp>
+      <p:sp>
+        <p:nvSpPr>
+          <p:cNvPr id="4" name="スライド番号プレースホルダー 3"/>
+          <p:cNvSpPr>
+            <a:spLocks noGrp="1"/>
+          </p:cNvSpPr>
+          <p:nvPr>
+            <p:ph type="sldNum" sz="quarter" idx="5"/>
+          </p:nvPr>
+        </p:nvSpPr>
+        <p:spPr/>
+        <p:txBody>
+          <a:bodyPr/>
+          <a:lstStyle/>
+          <a:p>
+            <a:fld id="{22FA0A2B-E422-BB46-B627-0066D20EFABF}" type="slidenum">
+              <a:rPr kumimoji="1" lang="ja-JP" altLang="en-US" smtClean="0"/>
+              <a:t>10</a:t>
+            </a:fld>
+            <a:endParaRPr kumimoji="1" lang="ja-JP" altLang="en-US"/>
+          </a:p>
+        </p:txBody>
+      </p:sp>
+    </p:spTree>
+    <p:extLst>
+      <p:ext uri="{BB962C8B-B14F-4D97-AF65-F5344CB8AC3E}">
+        <p14:creationId xmlns:p14="http://schemas.microsoft.com/office/powerpoint/2010/main" val="2876660964"/>
       </p:ext>
     </p:extLst>
   </p:cSld>
@@ -1428,7 +2089,7 @@
           <a:p>
             <a:fld id="{7D092EAD-DBE3-5C40-A4B6-260C2A3BA155}" type="datetimeFigureOut">
               <a:rPr kumimoji="1" lang="ja-JP" altLang="en-US" smtClean="0"/>
-              <a:t>2020/9/4</a:t>
+              <a:t>2020/9/11</a:t>
             </a:fld>
             <a:endParaRPr kumimoji="1" lang="ja-JP" altLang="en-US"/>
           </a:p>
@@ -1658,7 +2319,7 @@
           <a:p>
             <a:fld id="{7D092EAD-DBE3-5C40-A4B6-260C2A3BA155}" type="datetimeFigureOut">
               <a:rPr kumimoji="1" lang="ja-JP" altLang="en-US" smtClean="0"/>
-              <a:t>2020/9/4</a:t>
+              <a:t>2020/9/11</a:t>
             </a:fld>
             <a:endParaRPr kumimoji="1" lang="ja-JP" altLang="en-US"/>
           </a:p>
@@ -1898,7 +2559,7 @@
           <a:p>
             <a:fld id="{7D092EAD-DBE3-5C40-A4B6-260C2A3BA155}" type="datetimeFigureOut">
               <a:rPr kumimoji="1" lang="ja-JP" altLang="en-US" smtClean="0"/>
-              <a:t>2020/9/4</a:t>
+              <a:t>2020/9/11</a:t>
             </a:fld>
             <a:endParaRPr kumimoji="1" lang="ja-JP" altLang="en-US"/>
           </a:p>
@@ -2128,7 +2789,7 @@
           <a:p>
             <a:fld id="{7D092EAD-DBE3-5C40-A4B6-260C2A3BA155}" type="datetimeFigureOut">
               <a:rPr kumimoji="1" lang="ja-JP" altLang="en-US" smtClean="0"/>
-              <a:t>2020/9/4</a:t>
+              <a:t>2020/9/11</a:t>
             </a:fld>
             <a:endParaRPr kumimoji="1" lang="ja-JP" altLang="en-US"/>
           </a:p>
@@ -2403,7 +3064,7 @@
           <a:p>
             <a:fld id="{7D092EAD-DBE3-5C40-A4B6-260C2A3BA155}" type="datetimeFigureOut">
               <a:rPr kumimoji="1" lang="ja-JP" altLang="en-US" smtClean="0"/>
-              <a:t>2020/9/4</a:t>
+              <a:t>2020/9/11</a:t>
             </a:fld>
             <a:endParaRPr kumimoji="1" lang="ja-JP" altLang="en-US"/>
           </a:p>
@@ -2732,7 +3393,7 @@
           <a:p>
             <a:fld id="{7D092EAD-DBE3-5C40-A4B6-260C2A3BA155}" type="datetimeFigureOut">
               <a:rPr kumimoji="1" lang="ja-JP" altLang="en-US" smtClean="0"/>
-              <a:t>2020/9/4</a:t>
+              <a:t>2020/9/11</a:t>
             </a:fld>
             <a:endParaRPr kumimoji="1" lang="ja-JP" altLang="en-US"/>
           </a:p>
@@ -3208,7 +3869,7 @@
           <a:p>
             <a:fld id="{7D092EAD-DBE3-5C40-A4B6-260C2A3BA155}" type="datetimeFigureOut">
               <a:rPr kumimoji="1" lang="ja-JP" altLang="en-US" smtClean="0"/>
-              <a:t>2020/9/4</a:t>
+              <a:t>2020/9/11</a:t>
             </a:fld>
             <a:endParaRPr kumimoji="1" lang="ja-JP" altLang="en-US"/>
           </a:p>
@@ -3349,7 +4010,7 @@
           <a:p>
             <a:fld id="{7D092EAD-DBE3-5C40-A4B6-260C2A3BA155}" type="datetimeFigureOut">
               <a:rPr kumimoji="1" lang="ja-JP" altLang="en-US" smtClean="0"/>
-              <a:t>2020/9/4</a:t>
+              <a:t>2020/9/11</a:t>
             </a:fld>
             <a:endParaRPr kumimoji="1" lang="ja-JP" altLang="en-US"/>
           </a:p>
@@ -3462,7 +4123,7 @@
           <a:p>
             <a:fld id="{7D092EAD-DBE3-5C40-A4B6-260C2A3BA155}" type="datetimeFigureOut">
               <a:rPr kumimoji="1" lang="ja-JP" altLang="en-US" smtClean="0"/>
-              <a:t>2020/9/4</a:t>
+              <a:t>2020/9/11</a:t>
             </a:fld>
             <a:endParaRPr kumimoji="1" lang="ja-JP" altLang="en-US"/>
           </a:p>
@@ -3805,7 +4466,7 @@
           <a:p>
             <a:fld id="{7D092EAD-DBE3-5C40-A4B6-260C2A3BA155}" type="datetimeFigureOut">
               <a:rPr kumimoji="1" lang="ja-JP" altLang="en-US" smtClean="0"/>
-              <a:t>2020/9/4</a:t>
+              <a:t>2020/9/11</a:t>
             </a:fld>
             <a:endParaRPr kumimoji="1" lang="ja-JP" altLang="en-US"/>
           </a:p>
@@ -4093,7 +4754,7 @@
           <a:p>
             <a:fld id="{7D092EAD-DBE3-5C40-A4B6-260C2A3BA155}" type="datetimeFigureOut">
               <a:rPr kumimoji="1" lang="ja-JP" altLang="en-US" smtClean="0"/>
-              <a:t>2020/9/4</a:t>
+              <a:t>2020/9/11</a:t>
             </a:fld>
             <a:endParaRPr kumimoji="1" lang="ja-JP" altLang="en-US"/>
           </a:p>
@@ -4366,7 +5027,7 @@
           <a:p>
             <a:fld id="{7D092EAD-DBE3-5C40-A4B6-260C2A3BA155}" type="datetimeFigureOut">
               <a:rPr kumimoji="1" lang="ja-JP" altLang="en-US" smtClean="0"/>
-              <a:t>2020/9/4</a:t>
+              <a:t>2020/9/11</a:t>
             </a:fld>
             <a:endParaRPr kumimoji="1" lang="ja-JP" altLang="en-US"/>
           </a:p>
@@ -4877,13 +5538,17 @@
             </a:r>
             <a:r>
               <a:rPr kumimoji="1" lang="en-US" altLang="ja-JP" sz="2800" dirty="0"/>
-              <a:t>9/2/2020</a:t>
+              <a:t>9/2/</a:t>
             </a:r>
           </a:p>
           <a:p>
             <a:r>
               <a:rPr lang="ja-JP" altLang="en-US" sz="2800"/>
-              <a:t>発表日：未定</a:t>
+              <a:t>発表日：</a:t>
+            </a:r>
+            <a:r>
+              <a:rPr lang="en-US" altLang="ja-JP" sz="2800" dirty="0"/>
+              <a:t>9/11</a:t>
             </a:r>
             <a:endParaRPr kumimoji="1" lang="ja-JP" altLang="en-US" sz="2800"/>
           </a:p>
@@ -4924,6 +5589,1110 @@
           <p:cNvPr id="2" name="タイトル 1">
             <a:extLst>
               <a:ext uri="{FF2B5EF4-FFF2-40B4-BE49-F238E27FC236}">
+                <a16:creationId xmlns:a16="http://schemas.microsoft.com/office/drawing/2014/main" id="{F1E02604-762B-FC4F-9996-0BEC35E56D74}"/>
+              </a:ext>
+            </a:extLst>
+          </p:cNvPr>
+          <p:cNvSpPr>
+            <a:spLocks noGrp="1"/>
+          </p:cNvSpPr>
+          <p:nvPr>
+            <p:ph type="title"/>
+          </p:nvPr>
+        </p:nvSpPr>
+        <p:spPr/>
+        <p:txBody>
+          <a:bodyPr>
+            <a:normAutofit fontScale="90000"/>
+          </a:bodyPr>
+          <a:lstStyle/>
+          <a:p>
+            <a:r>
+              <a:rPr lang="en-US" altLang="ja-JP" dirty="0"/>
+              <a:t>2.</a:t>
+            </a:r>
+            <a:r>
+              <a:rPr lang="ja-JP" altLang="en-US"/>
+              <a:t>どういうことをやりたいかについて考えた</a:t>
+            </a:r>
+            <a:br>
+              <a:rPr lang="ja-JP" altLang="en-US"/>
+            </a:br>
+            <a:endParaRPr kumimoji="1" lang="ja-JP" altLang="en-US"/>
+          </a:p>
+        </p:txBody>
+      </p:sp>
+      <p:sp>
+        <p:nvSpPr>
+          <p:cNvPr id="3" name="コンテンツ プレースホルダー 2">
+            <a:extLst>
+              <a:ext uri="{FF2B5EF4-FFF2-40B4-BE49-F238E27FC236}">
+                <a16:creationId xmlns:a16="http://schemas.microsoft.com/office/drawing/2014/main" id="{43B581D8-C6D0-794E-9FD0-0E7652C7E42D}"/>
+              </a:ext>
+            </a:extLst>
+          </p:cNvPr>
+          <p:cNvSpPr>
+            <a:spLocks noGrp="1"/>
+          </p:cNvSpPr>
+          <p:nvPr>
+            <p:ph idx="1"/>
+          </p:nvPr>
+        </p:nvSpPr>
+        <p:spPr>
+          <a:xfrm>
+            <a:off x="838200" y="1825625"/>
+            <a:ext cx="10515600" cy="4351338"/>
+          </a:xfrm>
+        </p:spPr>
+        <p:txBody>
+          <a:bodyPr>
+            <a:normAutofit/>
+          </a:bodyPr>
+          <a:lstStyle/>
+          <a:p>
+            <a:r>
+              <a:rPr lang="ja-JP" altLang="en-US" sz="4400"/>
+              <a:t>考えなければならないこと</a:t>
+            </a:r>
+            <a:endParaRPr lang="en-US" altLang="ja-JP" sz="4400" dirty="0"/>
+          </a:p>
+          <a:p>
+            <a:endParaRPr kumimoji="1" lang="en-US" altLang="ja-JP" sz="4400" dirty="0"/>
+          </a:p>
+          <a:p>
+            <a:r>
+              <a:rPr kumimoji="1" lang="ja-JP" altLang="en-US" sz="4400"/>
+              <a:t>分布が単峰でない場合は？</a:t>
+            </a:r>
+            <a:endParaRPr kumimoji="1" lang="en-US" altLang="ja-JP" sz="4400" dirty="0"/>
+          </a:p>
+          <a:p>
+            <a:endParaRPr kumimoji="1" lang="en-US" altLang="ja-JP" sz="4400" dirty="0"/>
+          </a:p>
+          <a:p>
+            <a:endParaRPr kumimoji="1" lang="en-US" altLang="ja-JP" sz="4400" dirty="0"/>
+          </a:p>
+        </p:txBody>
+      </p:sp>
+    </p:spTree>
+    <p:extLst>
+      <p:ext uri="{BB962C8B-B14F-4D97-AF65-F5344CB8AC3E}">
+        <p14:creationId xmlns:p14="http://schemas.microsoft.com/office/powerpoint/2010/main" val="3607319256"/>
+      </p:ext>
+    </p:extLst>
+  </p:cSld>
+  <p:clrMapOvr>
+    <a:masterClrMapping/>
+  </p:clrMapOvr>
+</p:sld>
+</file>
+
+<file path=ppt/slides/slide11.xml><?xml version="1.0" encoding="utf-8"?>
+<p:sld xmlns:a="http://schemas.openxmlformats.org/drawingml/2006/main" xmlns:r="http://schemas.openxmlformats.org/officeDocument/2006/relationships" xmlns:p="http://schemas.openxmlformats.org/presentationml/2006/main">
+  <p:cSld>
+    <p:spTree>
+      <p:nvGrpSpPr>
+        <p:cNvPr id="1" name=""/>
+        <p:cNvGrpSpPr/>
+        <p:nvPr/>
+      </p:nvGrpSpPr>
+      <p:grpSpPr>
+        <a:xfrm>
+          <a:off x="0" y="0"/>
+          <a:ext cx="0" cy="0"/>
+          <a:chOff x="0" y="0"/>
+          <a:chExt cx="0" cy="0"/>
+        </a:xfrm>
+      </p:grpSpPr>
+      <p:sp>
+        <p:nvSpPr>
+          <p:cNvPr id="2" name="タイトル 1">
+            <a:extLst>
+              <a:ext uri="{FF2B5EF4-FFF2-40B4-BE49-F238E27FC236}">
+                <a16:creationId xmlns:a16="http://schemas.microsoft.com/office/drawing/2014/main" id="{F1E02604-762B-FC4F-9996-0BEC35E56D74}"/>
+              </a:ext>
+            </a:extLst>
+          </p:cNvPr>
+          <p:cNvSpPr>
+            <a:spLocks noGrp="1"/>
+          </p:cNvSpPr>
+          <p:nvPr>
+            <p:ph type="title"/>
+          </p:nvPr>
+        </p:nvSpPr>
+        <p:spPr/>
+        <p:txBody>
+          <a:bodyPr>
+            <a:normAutofit fontScale="90000"/>
+          </a:bodyPr>
+          <a:lstStyle/>
+          <a:p>
+            <a:r>
+              <a:rPr lang="en-US" altLang="ja-JP" dirty="0"/>
+              <a:t>2.</a:t>
+            </a:r>
+            <a:r>
+              <a:rPr lang="ja-JP" altLang="en-US"/>
+              <a:t>どういうことをやりたいかについて考えた</a:t>
+            </a:r>
+            <a:br>
+              <a:rPr lang="ja-JP" altLang="en-US"/>
+            </a:br>
+            <a:endParaRPr kumimoji="1" lang="ja-JP" altLang="en-US"/>
+          </a:p>
+        </p:txBody>
+      </p:sp>
+      <p:sp>
+        <p:nvSpPr>
+          <p:cNvPr id="3" name="コンテンツ プレースホルダー 2">
+            <a:extLst>
+              <a:ext uri="{FF2B5EF4-FFF2-40B4-BE49-F238E27FC236}">
+                <a16:creationId xmlns:a16="http://schemas.microsoft.com/office/drawing/2014/main" id="{43B581D8-C6D0-794E-9FD0-0E7652C7E42D}"/>
+              </a:ext>
+            </a:extLst>
+          </p:cNvPr>
+          <p:cNvSpPr>
+            <a:spLocks noGrp="1"/>
+          </p:cNvSpPr>
+          <p:nvPr>
+            <p:ph idx="1"/>
+          </p:nvPr>
+        </p:nvSpPr>
+        <p:spPr>
+          <a:xfrm>
+            <a:off x="838200" y="1825625"/>
+            <a:ext cx="10515600" cy="4351338"/>
+          </a:xfrm>
+        </p:spPr>
+        <p:txBody>
+          <a:bodyPr>
+            <a:normAutofit/>
+          </a:bodyPr>
+          <a:lstStyle/>
+          <a:p>
+            <a:r>
+              <a:rPr kumimoji="1" lang="en-US" altLang="ja-JP" sz="4400" dirty="0"/>
+              <a:t>CM</a:t>
+            </a:r>
+            <a:r>
+              <a:rPr kumimoji="1" lang="ja-JP" altLang="en-US" sz="4400"/>
+              <a:t>の要因を定量化する</a:t>
+            </a:r>
+            <a:endParaRPr kumimoji="1" lang="en-US" altLang="ja-JP" sz="4400" dirty="0"/>
+          </a:p>
+          <a:p>
+            <a:endParaRPr kumimoji="1" lang="en-US" altLang="ja-JP" sz="4400" dirty="0"/>
+          </a:p>
+        </p:txBody>
+      </p:sp>
+      <p:cxnSp>
+        <p:nvCxnSpPr>
+          <p:cNvPr id="9" name="直線矢印コネクタ 8">
+            <a:extLst>
+              <a:ext uri="{FF2B5EF4-FFF2-40B4-BE49-F238E27FC236}">
+                <a16:creationId xmlns:a16="http://schemas.microsoft.com/office/drawing/2014/main" id="{BA89BF2A-2F36-2645-9107-D5C4746EEC46}"/>
+              </a:ext>
+            </a:extLst>
+          </p:cNvPr>
+          <p:cNvCxnSpPr>
+            <a:cxnSpLocks/>
+          </p:cNvCxnSpPr>
+          <p:nvPr/>
+        </p:nvCxnSpPr>
+        <p:spPr>
+          <a:xfrm>
+            <a:off x="4893733" y="4726977"/>
+            <a:ext cx="2745317" cy="0"/>
+          </a:xfrm>
+          <a:prstGeom prst="straightConnector1">
+            <a:avLst/>
+          </a:prstGeom>
+          <a:ln>
+            <a:tailEnd type="triangle"/>
+          </a:ln>
+        </p:spPr>
+        <p:style>
+          <a:lnRef idx="1">
+            <a:schemeClr val="accent1"/>
+          </a:lnRef>
+          <a:fillRef idx="0">
+            <a:schemeClr val="accent1"/>
+          </a:fillRef>
+          <a:effectRef idx="0">
+            <a:schemeClr val="accent1"/>
+          </a:effectRef>
+          <a:fontRef idx="minor">
+            <a:schemeClr val="tx1"/>
+          </a:fontRef>
+        </p:style>
+      </p:cxnSp>
+      <p:sp>
+        <p:nvSpPr>
+          <p:cNvPr id="13" name="テキスト ボックス 12">
+            <a:extLst>
+              <a:ext uri="{FF2B5EF4-FFF2-40B4-BE49-F238E27FC236}">
+                <a16:creationId xmlns:a16="http://schemas.microsoft.com/office/drawing/2014/main" id="{CD62EB0B-7E96-0943-8198-9F71E6656B42}"/>
+              </a:ext>
+            </a:extLst>
+          </p:cNvPr>
+          <p:cNvSpPr txBox="1"/>
+          <p:nvPr/>
+        </p:nvSpPr>
+        <p:spPr>
+          <a:xfrm>
+            <a:off x="277511" y="3757481"/>
+            <a:ext cx="3775393" cy="1938992"/>
+          </a:xfrm>
+          <a:prstGeom prst="rect">
+            <a:avLst/>
+          </a:prstGeom>
+          <a:noFill/>
+        </p:spPr>
+        <p:txBody>
+          <a:bodyPr wrap="none" rtlCol="0">
+            <a:spAutoFit/>
+          </a:bodyPr>
+          <a:lstStyle/>
+          <a:p>
+            <a:r>
+              <a:rPr lang="ja-JP" altLang="en-US" sz="4000"/>
+              <a:t>選ばれた分布１</a:t>
+            </a:r>
+            <a:endParaRPr lang="en-US" altLang="ja-JP" sz="4000" dirty="0"/>
+          </a:p>
+          <a:p>
+            <a:r>
+              <a:rPr lang="ja-JP" altLang="en-US" sz="4000"/>
+              <a:t>選ばれた分布２</a:t>
+            </a:r>
+            <a:endParaRPr lang="en-US" altLang="ja-JP" sz="4000" dirty="0"/>
+          </a:p>
+          <a:p>
+            <a:r>
+              <a:rPr lang="en-US" altLang="ja-JP" sz="4000" dirty="0"/>
+              <a:t>…</a:t>
+            </a:r>
+            <a:endParaRPr kumimoji="1" lang="ja-JP" altLang="en-US" sz="4000"/>
+          </a:p>
+        </p:txBody>
+      </p:sp>
+    </p:spTree>
+    <p:extLst>
+      <p:ext uri="{BB962C8B-B14F-4D97-AF65-F5344CB8AC3E}">
+        <p14:creationId xmlns:p14="http://schemas.microsoft.com/office/powerpoint/2010/main" val="3612812247"/>
+      </p:ext>
+    </p:extLst>
+  </p:cSld>
+  <p:clrMapOvr>
+    <a:masterClrMapping/>
+  </p:clrMapOvr>
+</p:sld>
+</file>
+
+<file path=ppt/slides/slide12.xml><?xml version="1.0" encoding="utf-8"?>
+<p:sld xmlns:a="http://schemas.openxmlformats.org/drawingml/2006/main" xmlns:r="http://schemas.openxmlformats.org/officeDocument/2006/relationships" xmlns:p="http://schemas.openxmlformats.org/presentationml/2006/main">
+  <p:cSld>
+    <p:spTree>
+      <p:nvGrpSpPr>
+        <p:cNvPr id="1" name=""/>
+        <p:cNvGrpSpPr/>
+        <p:nvPr/>
+      </p:nvGrpSpPr>
+      <p:grpSpPr>
+        <a:xfrm>
+          <a:off x="0" y="0"/>
+          <a:ext cx="0" cy="0"/>
+          <a:chOff x="0" y="0"/>
+          <a:chExt cx="0" cy="0"/>
+        </a:xfrm>
+      </p:grpSpPr>
+      <p:sp>
+        <p:nvSpPr>
+          <p:cNvPr id="2" name="タイトル 1">
+            <a:extLst>
+              <a:ext uri="{FF2B5EF4-FFF2-40B4-BE49-F238E27FC236}">
+                <a16:creationId xmlns:a16="http://schemas.microsoft.com/office/drawing/2014/main" id="{F1E02604-762B-FC4F-9996-0BEC35E56D74}"/>
+              </a:ext>
+            </a:extLst>
+          </p:cNvPr>
+          <p:cNvSpPr>
+            <a:spLocks noGrp="1"/>
+          </p:cNvSpPr>
+          <p:nvPr>
+            <p:ph type="title"/>
+          </p:nvPr>
+        </p:nvSpPr>
+        <p:spPr/>
+        <p:txBody>
+          <a:bodyPr>
+            <a:normAutofit fontScale="90000"/>
+          </a:bodyPr>
+          <a:lstStyle/>
+          <a:p>
+            <a:r>
+              <a:rPr lang="en-US" altLang="ja-JP" dirty="0"/>
+              <a:t>2.</a:t>
+            </a:r>
+            <a:r>
+              <a:rPr lang="ja-JP" altLang="en-US"/>
+              <a:t>どういうことをやりたいかについて考えた</a:t>
+            </a:r>
+            <a:br>
+              <a:rPr lang="ja-JP" altLang="en-US"/>
+            </a:br>
+            <a:endParaRPr kumimoji="1" lang="ja-JP" altLang="en-US"/>
+          </a:p>
+        </p:txBody>
+      </p:sp>
+      <p:sp>
+        <p:nvSpPr>
+          <p:cNvPr id="3" name="コンテンツ プレースホルダー 2">
+            <a:extLst>
+              <a:ext uri="{FF2B5EF4-FFF2-40B4-BE49-F238E27FC236}">
+                <a16:creationId xmlns:a16="http://schemas.microsoft.com/office/drawing/2014/main" id="{43B581D8-C6D0-794E-9FD0-0E7652C7E42D}"/>
+              </a:ext>
+            </a:extLst>
+          </p:cNvPr>
+          <p:cNvSpPr>
+            <a:spLocks noGrp="1"/>
+          </p:cNvSpPr>
+          <p:nvPr>
+            <p:ph idx="1"/>
+          </p:nvPr>
+        </p:nvSpPr>
+        <p:spPr/>
+        <p:txBody>
+          <a:bodyPr>
+            <a:normAutofit/>
+          </a:bodyPr>
+          <a:lstStyle/>
+          <a:p>
+            <a:r>
+              <a:rPr kumimoji="1" lang="en-US" altLang="ja-JP" sz="4400" dirty="0"/>
+              <a:t>CM</a:t>
+            </a:r>
+            <a:r>
+              <a:rPr kumimoji="1" lang="ja-JP" altLang="en-US" sz="4400"/>
+              <a:t>の要因を定量化するして効果的かどうか考える</a:t>
+            </a:r>
+            <a:endParaRPr kumimoji="1" lang="en-US" altLang="ja-JP" sz="4400" dirty="0"/>
+          </a:p>
+          <a:p>
+            <a:endParaRPr kumimoji="1" lang="en-US" altLang="ja-JP" sz="4400" dirty="0"/>
+          </a:p>
+          <a:p>
+            <a:endParaRPr kumimoji="1" lang="en-US" altLang="ja-JP" sz="4400" dirty="0"/>
+          </a:p>
+        </p:txBody>
+      </p:sp>
+      <p:cxnSp>
+        <p:nvCxnSpPr>
+          <p:cNvPr id="5" name="直線矢印コネクタ 4">
+            <a:extLst>
+              <a:ext uri="{FF2B5EF4-FFF2-40B4-BE49-F238E27FC236}">
+                <a16:creationId xmlns:a16="http://schemas.microsoft.com/office/drawing/2014/main" id="{B59D694E-21B4-9B42-A49F-EFE6E998C03C}"/>
+              </a:ext>
+            </a:extLst>
+          </p:cNvPr>
+          <p:cNvCxnSpPr>
+            <a:cxnSpLocks/>
+          </p:cNvCxnSpPr>
+          <p:nvPr/>
+        </p:nvCxnSpPr>
+        <p:spPr>
+          <a:xfrm>
+            <a:off x="2355850" y="4918340"/>
+            <a:ext cx="812800" cy="0"/>
+          </a:xfrm>
+          <a:prstGeom prst="straightConnector1">
+            <a:avLst/>
+          </a:prstGeom>
+          <a:ln>
+            <a:tailEnd type="triangle"/>
+          </a:ln>
+        </p:spPr>
+        <p:style>
+          <a:lnRef idx="1">
+            <a:schemeClr val="accent1"/>
+          </a:lnRef>
+          <a:fillRef idx="0">
+            <a:schemeClr val="accent1"/>
+          </a:fillRef>
+          <a:effectRef idx="0">
+            <a:schemeClr val="accent1"/>
+          </a:effectRef>
+          <a:fontRef idx="minor">
+            <a:schemeClr val="tx1"/>
+          </a:fontRef>
+        </p:style>
+      </p:cxnSp>
+      <p:sp>
+        <p:nvSpPr>
+          <p:cNvPr id="8" name="テキスト ボックス 7">
+            <a:extLst>
+              <a:ext uri="{FF2B5EF4-FFF2-40B4-BE49-F238E27FC236}">
+                <a16:creationId xmlns:a16="http://schemas.microsoft.com/office/drawing/2014/main" id="{86E2107F-EE03-3747-9B93-2D55CDA590CF}"/>
+              </a:ext>
+            </a:extLst>
+          </p:cNvPr>
+          <p:cNvSpPr txBox="1"/>
+          <p:nvPr/>
+        </p:nvSpPr>
+        <p:spPr>
+          <a:xfrm>
+            <a:off x="1093951" y="4605867"/>
+            <a:ext cx="1005403" cy="707886"/>
+          </a:xfrm>
+          <a:prstGeom prst="rect">
+            <a:avLst/>
+          </a:prstGeom>
+          <a:noFill/>
+        </p:spPr>
+        <p:txBody>
+          <a:bodyPr wrap="none" rtlCol="0">
+            <a:spAutoFit/>
+          </a:bodyPr>
+          <a:lstStyle/>
+          <a:p>
+            <a:r>
+              <a:rPr lang="en-US" altLang="ja-JP" sz="4000" dirty="0"/>
+              <a:t>CM</a:t>
+            </a:r>
+            <a:endParaRPr kumimoji="1" lang="ja-JP" altLang="en-US" sz="4000"/>
+          </a:p>
+        </p:txBody>
+      </p:sp>
+      <p:cxnSp>
+        <p:nvCxnSpPr>
+          <p:cNvPr id="9" name="直線矢印コネクタ 8">
+            <a:extLst>
+              <a:ext uri="{FF2B5EF4-FFF2-40B4-BE49-F238E27FC236}">
+                <a16:creationId xmlns:a16="http://schemas.microsoft.com/office/drawing/2014/main" id="{BA89BF2A-2F36-2645-9107-D5C4746EEC46}"/>
+              </a:ext>
+            </a:extLst>
+          </p:cNvPr>
+          <p:cNvCxnSpPr>
+            <a:cxnSpLocks/>
+          </p:cNvCxnSpPr>
+          <p:nvPr/>
+        </p:nvCxnSpPr>
+        <p:spPr>
+          <a:xfrm>
+            <a:off x="6798733" y="4959810"/>
+            <a:ext cx="812800" cy="0"/>
+          </a:xfrm>
+          <a:prstGeom prst="straightConnector1">
+            <a:avLst/>
+          </a:prstGeom>
+          <a:ln>
+            <a:tailEnd type="triangle"/>
+          </a:ln>
+        </p:spPr>
+        <p:style>
+          <a:lnRef idx="1">
+            <a:schemeClr val="accent1"/>
+          </a:lnRef>
+          <a:fillRef idx="0">
+            <a:schemeClr val="accent1"/>
+          </a:fillRef>
+          <a:effectRef idx="0">
+            <a:schemeClr val="accent1"/>
+          </a:effectRef>
+          <a:fontRef idx="minor">
+            <a:schemeClr val="tx1"/>
+          </a:fontRef>
+        </p:style>
+      </p:cxnSp>
+      <p:sp>
+        <p:nvSpPr>
+          <p:cNvPr id="10" name="正方形/長方形 9">
+            <a:extLst>
+              <a:ext uri="{FF2B5EF4-FFF2-40B4-BE49-F238E27FC236}">
+                <a16:creationId xmlns:a16="http://schemas.microsoft.com/office/drawing/2014/main" id="{A8F2C022-73CD-8F41-A7F3-B12ACE946209}"/>
+              </a:ext>
+            </a:extLst>
+          </p:cNvPr>
+          <p:cNvSpPr/>
+          <p:nvPr/>
+        </p:nvSpPr>
+        <p:spPr>
+          <a:xfrm>
+            <a:off x="3687414" y="4399353"/>
+            <a:ext cx="2523067" cy="914400"/>
+          </a:xfrm>
+          <a:prstGeom prst="rect">
+            <a:avLst/>
+          </a:prstGeom>
+        </p:spPr>
+        <p:style>
+          <a:lnRef idx="2">
+            <a:schemeClr val="accent6"/>
+          </a:lnRef>
+          <a:fillRef idx="1">
+            <a:schemeClr val="lt1"/>
+          </a:fillRef>
+          <a:effectRef idx="0">
+            <a:schemeClr val="accent6"/>
+          </a:effectRef>
+          <a:fontRef idx="minor">
+            <a:schemeClr val="dk1"/>
+          </a:fontRef>
+        </p:style>
+        <p:txBody>
+          <a:bodyPr rtlCol="0" anchor="ctr"/>
+          <a:lstStyle/>
+          <a:p>
+            <a:pPr algn="ctr"/>
+            <a:r>
+              <a:rPr kumimoji="1" lang="ja-JP" altLang="en-US"/>
+              <a:t>システム</a:t>
+            </a:r>
+          </a:p>
+        </p:txBody>
+      </p:sp>
+      <p:sp>
+        <p:nvSpPr>
+          <p:cNvPr id="15" name="テキスト ボックス 14">
+            <a:extLst>
+              <a:ext uri="{FF2B5EF4-FFF2-40B4-BE49-F238E27FC236}">
+                <a16:creationId xmlns:a16="http://schemas.microsoft.com/office/drawing/2014/main" id="{82BB3768-2AA3-2348-A25E-59237B4D8FA3}"/>
+              </a:ext>
+            </a:extLst>
+          </p:cNvPr>
+          <p:cNvSpPr txBox="1"/>
+          <p:nvPr/>
+        </p:nvSpPr>
+        <p:spPr>
+          <a:xfrm>
+            <a:off x="7837789" y="3636371"/>
+            <a:ext cx="3775393" cy="1938992"/>
+          </a:xfrm>
+          <a:prstGeom prst="rect">
+            <a:avLst/>
+          </a:prstGeom>
+          <a:noFill/>
+        </p:spPr>
+        <p:txBody>
+          <a:bodyPr wrap="none" rtlCol="0">
+            <a:spAutoFit/>
+          </a:bodyPr>
+          <a:lstStyle/>
+          <a:p>
+            <a:r>
+              <a:rPr lang="ja-JP" altLang="en-US" sz="4000"/>
+              <a:t>年齢による分布</a:t>
+            </a:r>
+            <a:endParaRPr lang="en-US" altLang="ja-JP" sz="4000" dirty="0"/>
+          </a:p>
+          <a:p>
+            <a:r>
+              <a:rPr kumimoji="1" lang="ja-JP" altLang="en-US" sz="4000"/>
+              <a:t>性別による分布</a:t>
+            </a:r>
+            <a:endParaRPr kumimoji="1" lang="en-US" altLang="ja-JP" sz="4000" dirty="0"/>
+          </a:p>
+          <a:p>
+            <a:r>
+              <a:rPr lang="en-US" altLang="ja-JP" sz="4000" dirty="0"/>
+              <a:t>…</a:t>
+            </a:r>
+            <a:endParaRPr kumimoji="1" lang="ja-JP" altLang="en-US" sz="4000"/>
+          </a:p>
+        </p:txBody>
+      </p:sp>
+    </p:spTree>
+    <p:extLst>
+      <p:ext uri="{BB962C8B-B14F-4D97-AF65-F5344CB8AC3E}">
+        <p14:creationId xmlns:p14="http://schemas.microsoft.com/office/powerpoint/2010/main" val="1986680180"/>
+      </p:ext>
+    </p:extLst>
+  </p:cSld>
+  <p:clrMapOvr>
+    <a:masterClrMapping/>
+  </p:clrMapOvr>
+</p:sld>
+</file>
+
+<file path=ppt/slides/slide13.xml><?xml version="1.0" encoding="utf-8"?>
+<p:sld xmlns:a="http://schemas.openxmlformats.org/drawingml/2006/main" xmlns:r="http://schemas.openxmlformats.org/officeDocument/2006/relationships" xmlns:p="http://schemas.openxmlformats.org/presentationml/2006/main">
+  <p:cSld>
+    <p:spTree>
+      <p:nvGrpSpPr>
+        <p:cNvPr id="1" name=""/>
+        <p:cNvGrpSpPr/>
+        <p:nvPr/>
+      </p:nvGrpSpPr>
+      <p:grpSpPr>
+        <a:xfrm>
+          <a:off x="0" y="0"/>
+          <a:ext cx="0" cy="0"/>
+          <a:chOff x="0" y="0"/>
+          <a:chExt cx="0" cy="0"/>
+        </a:xfrm>
+      </p:grpSpPr>
+      <p:sp>
+        <p:nvSpPr>
+          <p:cNvPr id="2" name="タイトル 1">
+            <a:extLst>
+              <a:ext uri="{FF2B5EF4-FFF2-40B4-BE49-F238E27FC236}">
+                <a16:creationId xmlns:a16="http://schemas.microsoft.com/office/drawing/2014/main" id="{9DF31232-CB64-354F-B338-F496452701EC}"/>
+              </a:ext>
+            </a:extLst>
+          </p:cNvPr>
+          <p:cNvSpPr>
+            <a:spLocks noGrp="1"/>
+          </p:cNvSpPr>
+          <p:nvPr>
+            <p:ph type="title"/>
+          </p:nvPr>
+        </p:nvSpPr>
+        <p:spPr/>
+        <p:txBody>
+          <a:bodyPr/>
+          <a:lstStyle/>
+          <a:p>
+            <a:pPr marL="742950" indent="-742950">
+              <a:buFont typeface="+mj-lt"/>
+              <a:buAutoNum type="arabicPeriod"/>
+            </a:pPr>
+            <a:r>
+              <a:rPr lang="ja-JP" altLang="en-US"/>
+              <a:t>元のプログラムを機能ごとに分けた</a:t>
+            </a:r>
+            <a:endParaRPr kumimoji="1" lang="ja-JP" altLang="en-US"/>
+          </a:p>
+        </p:txBody>
+      </p:sp>
+      <p:pic>
+        <p:nvPicPr>
+          <p:cNvPr id="5" name="コンテンツ プレースホルダー 4">
+            <a:extLst>
+              <a:ext uri="{FF2B5EF4-FFF2-40B4-BE49-F238E27FC236}">
+                <a16:creationId xmlns:a16="http://schemas.microsoft.com/office/drawing/2014/main" id="{8159476D-9FA6-D14E-87D7-CB8CAE587991}"/>
+              </a:ext>
+            </a:extLst>
+          </p:cNvPr>
+          <p:cNvPicPr>
+            <a:picLocks noGrp="1" noChangeAspect="1"/>
+          </p:cNvPicPr>
+          <p:nvPr>
+            <p:ph idx="1"/>
+          </p:nvPr>
+        </p:nvPicPr>
+        <p:blipFill>
+          <a:blip r:embed="rId3"/>
+          <a:stretch>
+            <a:fillRect/>
+          </a:stretch>
+        </p:blipFill>
+        <p:spPr>
+          <a:xfrm>
+            <a:off x="1642534" y="1215082"/>
+            <a:ext cx="9364133" cy="5642918"/>
+          </a:xfrm>
+        </p:spPr>
+      </p:pic>
+      <p:sp>
+        <p:nvSpPr>
+          <p:cNvPr id="6" name="テキスト ボックス 5">
+            <a:extLst>
+              <a:ext uri="{FF2B5EF4-FFF2-40B4-BE49-F238E27FC236}">
+                <a16:creationId xmlns:a16="http://schemas.microsoft.com/office/drawing/2014/main" id="{BFB1850D-CE1C-8E49-81E5-41F8CB8C8C18}"/>
+              </a:ext>
+            </a:extLst>
+          </p:cNvPr>
+          <p:cNvSpPr txBox="1"/>
+          <p:nvPr/>
+        </p:nvSpPr>
+        <p:spPr>
+          <a:xfrm>
+            <a:off x="1185333" y="1688043"/>
+            <a:ext cx="877163" cy="369332"/>
+          </a:xfrm>
+          <a:prstGeom prst="rect">
+            <a:avLst/>
+          </a:prstGeom>
+          <a:noFill/>
+        </p:spPr>
+        <p:txBody>
+          <a:bodyPr wrap="none" rtlCol="0">
+            <a:spAutoFit/>
+          </a:bodyPr>
+          <a:lstStyle/>
+          <a:p>
+            <a:r>
+              <a:rPr kumimoji="1" lang="ja-JP" altLang="en-US"/>
+              <a:t>設計図</a:t>
+            </a:r>
+          </a:p>
+        </p:txBody>
+      </p:sp>
+    </p:spTree>
+    <p:extLst>
+      <p:ext uri="{BB962C8B-B14F-4D97-AF65-F5344CB8AC3E}">
+        <p14:creationId xmlns:p14="http://schemas.microsoft.com/office/powerpoint/2010/main" val="3177858690"/>
+      </p:ext>
+    </p:extLst>
+  </p:cSld>
+  <p:clrMapOvr>
+    <a:masterClrMapping/>
+  </p:clrMapOvr>
+</p:sld>
+</file>
+
+<file path=ppt/slides/slide14.xml><?xml version="1.0" encoding="utf-8"?>
+<p:sld xmlns:a="http://schemas.openxmlformats.org/drawingml/2006/main" xmlns:r="http://schemas.openxmlformats.org/officeDocument/2006/relationships" xmlns:p="http://schemas.openxmlformats.org/presentationml/2006/main">
+  <p:cSld>
+    <p:spTree>
+      <p:nvGrpSpPr>
+        <p:cNvPr id="1" name=""/>
+        <p:cNvGrpSpPr/>
+        <p:nvPr/>
+      </p:nvGrpSpPr>
+      <p:grpSpPr>
+        <a:xfrm>
+          <a:off x="0" y="0"/>
+          <a:ext cx="0" cy="0"/>
+          <a:chOff x="0" y="0"/>
+          <a:chExt cx="0" cy="0"/>
+        </a:xfrm>
+      </p:grpSpPr>
+      <p:sp>
+        <p:nvSpPr>
+          <p:cNvPr id="2" name="タイトル 1">
+            <a:extLst>
+              <a:ext uri="{FF2B5EF4-FFF2-40B4-BE49-F238E27FC236}">
+                <a16:creationId xmlns:a16="http://schemas.microsoft.com/office/drawing/2014/main" id="{15A4C58C-2AAD-9349-8277-BF67AF8A2FCB}"/>
+              </a:ext>
+            </a:extLst>
+          </p:cNvPr>
+          <p:cNvSpPr>
+            <a:spLocks noGrp="1"/>
+          </p:cNvSpPr>
+          <p:nvPr>
+            <p:ph type="title"/>
+          </p:nvPr>
+        </p:nvSpPr>
+        <p:spPr/>
+        <p:txBody>
+          <a:bodyPr/>
+          <a:lstStyle/>
+          <a:p>
+            <a:pPr marL="742950" indent="-742950">
+              <a:buFont typeface="+mj-lt"/>
+              <a:buAutoNum type="arabicPeriod"/>
+            </a:pPr>
+            <a:r>
+              <a:rPr lang="ja-JP" altLang="en-US"/>
+              <a:t>元のプログラムを機能ごとに分けた</a:t>
+            </a:r>
+            <a:endParaRPr kumimoji="1" lang="ja-JP" altLang="en-US"/>
+          </a:p>
+        </p:txBody>
+      </p:sp>
+      <p:pic>
+        <p:nvPicPr>
+          <p:cNvPr id="7" name="コンテンツ プレースホルダー 6">
+            <a:extLst>
+              <a:ext uri="{FF2B5EF4-FFF2-40B4-BE49-F238E27FC236}">
+                <a16:creationId xmlns:a16="http://schemas.microsoft.com/office/drawing/2014/main" id="{14CE20ED-9520-FD41-8312-59BB7ED7DBB1}"/>
+              </a:ext>
+            </a:extLst>
+          </p:cNvPr>
+          <p:cNvPicPr>
+            <a:picLocks noGrp="1" noChangeAspect="1"/>
+          </p:cNvPicPr>
+          <p:nvPr>
+            <p:ph idx="1"/>
+          </p:nvPr>
+        </p:nvPicPr>
+        <p:blipFill>
+          <a:blip r:embed="rId3"/>
+          <a:stretch>
+            <a:fillRect/>
+          </a:stretch>
+        </p:blipFill>
+        <p:spPr>
+          <a:xfrm>
+            <a:off x="1729409" y="1690688"/>
+            <a:ext cx="8051801" cy="5032376"/>
+          </a:xfrm>
+        </p:spPr>
+      </p:pic>
+    </p:spTree>
+    <p:extLst>
+      <p:ext uri="{BB962C8B-B14F-4D97-AF65-F5344CB8AC3E}">
+        <p14:creationId xmlns:p14="http://schemas.microsoft.com/office/powerpoint/2010/main" val="585851691"/>
+      </p:ext>
+    </p:extLst>
+  </p:cSld>
+  <p:clrMapOvr>
+    <a:masterClrMapping/>
+  </p:clrMapOvr>
+</p:sld>
+</file>
+
+<file path=ppt/slides/slide15.xml><?xml version="1.0" encoding="utf-8"?>
+<p:sld xmlns:a="http://schemas.openxmlformats.org/drawingml/2006/main" xmlns:r="http://schemas.openxmlformats.org/officeDocument/2006/relationships" xmlns:p="http://schemas.openxmlformats.org/presentationml/2006/main">
+  <p:cSld>
+    <p:spTree>
+      <p:nvGrpSpPr>
+        <p:cNvPr id="1" name=""/>
+        <p:cNvGrpSpPr/>
+        <p:nvPr/>
+      </p:nvGrpSpPr>
+      <p:grpSpPr>
+        <a:xfrm>
+          <a:off x="0" y="0"/>
+          <a:ext cx="0" cy="0"/>
+          <a:chOff x="0" y="0"/>
+          <a:chExt cx="0" cy="0"/>
+        </a:xfrm>
+      </p:grpSpPr>
+      <p:sp>
+        <p:nvSpPr>
+          <p:cNvPr id="2" name="タイトル 1">
+            <a:extLst>
+              <a:ext uri="{FF2B5EF4-FFF2-40B4-BE49-F238E27FC236}">
+                <a16:creationId xmlns:a16="http://schemas.microsoft.com/office/drawing/2014/main" id="{9DF31232-CB64-354F-B338-F496452701EC}"/>
+              </a:ext>
+            </a:extLst>
+          </p:cNvPr>
+          <p:cNvSpPr>
+            <a:spLocks noGrp="1"/>
+          </p:cNvSpPr>
+          <p:nvPr>
+            <p:ph type="title"/>
+          </p:nvPr>
+        </p:nvSpPr>
+        <p:spPr/>
+        <p:txBody>
+          <a:bodyPr/>
+          <a:lstStyle/>
+          <a:p>
+            <a:pPr marL="742950" indent="-742950">
+              <a:buFont typeface="+mj-lt"/>
+              <a:buAutoNum type="arabicPeriod"/>
+            </a:pPr>
+            <a:r>
+              <a:rPr lang="ja-JP" altLang="en-US"/>
+              <a:t>元のプログラムを機能ごとに分けた</a:t>
+            </a:r>
+            <a:endParaRPr kumimoji="1" lang="ja-JP" altLang="en-US"/>
+          </a:p>
+        </p:txBody>
+      </p:sp>
+      <p:pic>
+        <p:nvPicPr>
+          <p:cNvPr id="5" name="コンテンツ プレースホルダー 4">
+            <a:extLst>
+              <a:ext uri="{FF2B5EF4-FFF2-40B4-BE49-F238E27FC236}">
+                <a16:creationId xmlns:a16="http://schemas.microsoft.com/office/drawing/2014/main" id="{8159476D-9FA6-D14E-87D7-CB8CAE587991}"/>
+              </a:ext>
+            </a:extLst>
+          </p:cNvPr>
+          <p:cNvPicPr>
+            <a:picLocks noGrp="1" noChangeAspect="1"/>
+          </p:cNvPicPr>
+          <p:nvPr>
+            <p:ph idx="1"/>
+          </p:nvPr>
+        </p:nvPicPr>
+        <p:blipFill>
+          <a:blip r:embed="rId3"/>
+          <a:stretch>
+            <a:fillRect/>
+          </a:stretch>
+        </p:blipFill>
+        <p:spPr>
+          <a:xfrm>
+            <a:off x="1642534" y="1215082"/>
+            <a:ext cx="9364133" cy="5642918"/>
+          </a:xfrm>
+        </p:spPr>
+      </p:pic>
+      <p:sp>
+        <p:nvSpPr>
+          <p:cNvPr id="6" name="テキスト ボックス 5">
+            <a:extLst>
+              <a:ext uri="{FF2B5EF4-FFF2-40B4-BE49-F238E27FC236}">
+                <a16:creationId xmlns:a16="http://schemas.microsoft.com/office/drawing/2014/main" id="{BFB1850D-CE1C-8E49-81E5-41F8CB8C8C18}"/>
+              </a:ext>
+            </a:extLst>
+          </p:cNvPr>
+          <p:cNvSpPr txBox="1"/>
+          <p:nvPr/>
+        </p:nvSpPr>
+        <p:spPr>
+          <a:xfrm>
+            <a:off x="1185333" y="1688043"/>
+            <a:ext cx="877163" cy="369332"/>
+          </a:xfrm>
+          <a:prstGeom prst="rect">
+            <a:avLst/>
+          </a:prstGeom>
+          <a:noFill/>
+        </p:spPr>
+        <p:txBody>
+          <a:bodyPr wrap="none" rtlCol="0">
+            <a:spAutoFit/>
+          </a:bodyPr>
+          <a:lstStyle/>
+          <a:p>
+            <a:r>
+              <a:rPr kumimoji="1" lang="ja-JP" altLang="en-US"/>
+              <a:t>設計図</a:t>
+            </a:r>
+          </a:p>
+        </p:txBody>
+      </p:sp>
+    </p:spTree>
+    <p:extLst>
+      <p:ext uri="{BB962C8B-B14F-4D97-AF65-F5344CB8AC3E}">
+        <p14:creationId xmlns:p14="http://schemas.microsoft.com/office/powerpoint/2010/main" val="4227193761"/>
+      </p:ext>
+    </p:extLst>
+  </p:cSld>
+  <p:clrMapOvr>
+    <a:masterClrMapping/>
+  </p:clrMapOvr>
+</p:sld>
+</file>
+
+<file path=ppt/slides/slide16.xml><?xml version="1.0" encoding="utf-8"?>
+<p:sld xmlns:a="http://schemas.openxmlformats.org/drawingml/2006/main" xmlns:r="http://schemas.openxmlformats.org/officeDocument/2006/relationships" xmlns:p="http://schemas.openxmlformats.org/presentationml/2006/main">
+  <p:cSld>
+    <p:spTree>
+      <p:nvGrpSpPr>
+        <p:cNvPr id="1" name=""/>
+        <p:cNvGrpSpPr/>
+        <p:nvPr/>
+      </p:nvGrpSpPr>
+      <p:grpSpPr>
+        <a:xfrm>
+          <a:off x="0" y="0"/>
+          <a:ext cx="0" cy="0"/>
+          <a:chOff x="0" y="0"/>
+          <a:chExt cx="0" cy="0"/>
+        </a:xfrm>
+      </p:grpSpPr>
+      <p:sp>
+        <p:nvSpPr>
+          <p:cNvPr id="2" name="タイトル 1">
+            <a:extLst>
+              <a:ext uri="{FF2B5EF4-FFF2-40B4-BE49-F238E27FC236}">
+                <a16:creationId xmlns:a16="http://schemas.microsoft.com/office/drawing/2014/main" id="{F1E02604-762B-FC4F-9996-0BEC35E56D74}"/>
+              </a:ext>
+            </a:extLst>
+          </p:cNvPr>
+          <p:cNvSpPr>
+            <a:spLocks noGrp="1"/>
+          </p:cNvSpPr>
+          <p:nvPr>
+            <p:ph type="title"/>
+          </p:nvPr>
+        </p:nvSpPr>
+        <p:spPr/>
+        <p:txBody>
+          <a:bodyPr/>
+          <a:lstStyle/>
+          <a:p>
+            <a:pPr marL="742950" indent="-742950">
+              <a:buFont typeface="+mj-lt"/>
+              <a:buAutoNum type="arabicPeriod"/>
+            </a:pPr>
+            <a:r>
+              <a:rPr lang="ja-JP" altLang="en-US"/>
+              <a:t>元のプログラムを機能ごとに分けた</a:t>
+            </a:r>
+            <a:endParaRPr kumimoji="1" lang="ja-JP" altLang="en-US"/>
+          </a:p>
+        </p:txBody>
+      </p:sp>
+      <p:sp>
+        <p:nvSpPr>
+          <p:cNvPr id="3" name="コンテンツ プレースホルダー 2">
+            <a:extLst>
+              <a:ext uri="{FF2B5EF4-FFF2-40B4-BE49-F238E27FC236}">
+                <a16:creationId xmlns:a16="http://schemas.microsoft.com/office/drawing/2014/main" id="{43B581D8-C6D0-794E-9FD0-0E7652C7E42D}"/>
+              </a:ext>
+            </a:extLst>
+          </p:cNvPr>
+          <p:cNvSpPr>
+            <a:spLocks noGrp="1"/>
+          </p:cNvSpPr>
+          <p:nvPr>
+            <p:ph idx="1"/>
+          </p:nvPr>
+        </p:nvSpPr>
+        <p:spPr/>
+        <p:txBody>
+          <a:bodyPr>
+            <a:normAutofit/>
+          </a:bodyPr>
+          <a:lstStyle/>
+          <a:p>
+            <a:pPr>
+              <a:lnSpc>
+                <a:spcPct val="250000"/>
+              </a:lnSpc>
+            </a:pPr>
+            <a:r>
+              <a:rPr kumimoji="1" lang="ja-JP" altLang="en-US" sz="4400"/>
+              <a:t>プログラムの構造が理解しやすくなった</a:t>
+            </a:r>
+            <a:endParaRPr kumimoji="1" lang="en-US" altLang="ja-JP" sz="4400" dirty="0"/>
+          </a:p>
+          <a:p>
+            <a:r>
+              <a:rPr kumimoji="1" lang="ja-JP" altLang="en-US" sz="4400"/>
+              <a:t>自分のやつを作るときに使えそう</a:t>
+            </a:r>
+            <a:endParaRPr kumimoji="1" lang="en-US" altLang="ja-JP" sz="4400" dirty="0"/>
+          </a:p>
+          <a:p>
+            <a:pPr marL="0" indent="0" algn="ctr">
+              <a:buNone/>
+            </a:pPr>
+            <a:endParaRPr kumimoji="1" lang="en-US" altLang="ja-JP" sz="4400" dirty="0"/>
+          </a:p>
+        </p:txBody>
+      </p:sp>
+    </p:spTree>
+    <p:extLst>
+      <p:ext uri="{BB962C8B-B14F-4D97-AF65-F5344CB8AC3E}">
+        <p14:creationId xmlns:p14="http://schemas.microsoft.com/office/powerpoint/2010/main" val="936680532"/>
+      </p:ext>
+    </p:extLst>
+  </p:cSld>
+  <p:clrMapOvr>
+    <a:masterClrMapping/>
+  </p:clrMapOvr>
+</p:sld>
+</file>
+
+<file path=ppt/slides/slide17.xml><?xml version="1.0" encoding="utf-8"?>
+<p:sld xmlns:a="http://schemas.openxmlformats.org/drawingml/2006/main" xmlns:r="http://schemas.openxmlformats.org/officeDocument/2006/relationships" xmlns:p="http://schemas.openxmlformats.org/presentationml/2006/main">
+  <p:cSld>
+    <p:spTree>
+      <p:nvGrpSpPr>
+        <p:cNvPr id="1" name=""/>
+        <p:cNvGrpSpPr/>
+        <p:nvPr/>
+      </p:nvGrpSpPr>
+      <p:grpSpPr>
+        <a:xfrm>
+          <a:off x="0" y="0"/>
+          <a:ext cx="0" cy="0"/>
+          <a:chOff x="0" y="0"/>
+          <a:chExt cx="0" cy="0"/>
+        </a:xfrm>
+      </p:grpSpPr>
+      <p:sp>
+        <p:nvSpPr>
+          <p:cNvPr id="2" name="タイトル 1">
+            <a:extLst>
+              <a:ext uri="{FF2B5EF4-FFF2-40B4-BE49-F238E27FC236}">
                 <a16:creationId xmlns:a16="http://schemas.microsoft.com/office/drawing/2014/main" id="{9B684BB5-2D83-2F46-B420-5EDD265648C6}"/>
               </a:ext>
             </a:extLst>
@@ -5085,16 +6854,16 @@
               <a:buAutoNum type="arabicPeriod"/>
             </a:pPr>
             <a:r>
-              <a:rPr kumimoji="1" lang="ja-JP" altLang="en-US" sz="4400"/>
-              <a:t>機械学習、</a:t>
-            </a:r>
-            <a:r>
               <a:rPr kumimoji="1" lang="en-US" altLang="ja-JP" sz="4400" dirty="0" err="1"/>
               <a:t>Tensorflow</a:t>
             </a:r>
             <a:r>
               <a:rPr kumimoji="1" lang="ja-JP" altLang="en-US" sz="4400"/>
-              <a:t>について学んだ</a:t>
+              <a:t>について</a:t>
+            </a:r>
+            <a:r>
+              <a:rPr lang="ja-JP" altLang="en-US" sz="4400"/>
+              <a:t>学んだ</a:t>
             </a:r>
             <a:endParaRPr kumimoji="1" lang="en-US" altLang="ja-JP" sz="4400" dirty="0"/>
           </a:p>
@@ -5112,7 +6881,7 @@
             </a:pPr>
             <a:r>
               <a:rPr lang="ja-JP" altLang="en-US" sz="4400"/>
-              <a:t>どういう研究をやりたいかについて考えてみた。</a:t>
+              <a:t>どういうことをやりたいかについて考えた</a:t>
             </a:r>
           </a:p>
           <a:p>
@@ -5180,10 +6949,6 @@
               <a:buAutoNum type="arabicPeriod"/>
             </a:pPr>
             <a:r>
-              <a:rPr lang="ja-JP" altLang="en-US"/>
-              <a:t>機械学習、 </a:t>
-            </a:r>
-            <a:r>
               <a:rPr lang="en-US" altLang="ja-JP" dirty="0" err="1"/>
               <a:t>Tensorflow</a:t>
             </a:r>
@@ -5224,8 +6989,8 @@
               </a:lnSpc>
             </a:pPr>
             <a:r>
-              <a:rPr kumimoji="1" lang="ja-JP" altLang="en-US" sz="4400"/>
-              <a:t>使うものは作るものに影響するから</a:t>
+              <a:rPr lang="ja-JP" altLang="en-US" sz="4400"/>
+              <a:t>２の考え方に影響するから</a:t>
             </a:r>
             <a:endParaRPr kumimoji="1" lang="en-US" altLang="ja-JP" sz="4400" dirty="0"/>
           </a:p>
@@ -5272,7 +7037,7 @@
           <p:cNvPr id="2" name="タイトル 1">
             <a:extLst>
               <a:ext uri="{FF2B5EF4-FFF2-40B4-BE49-F238E27FC236}">
-                <a16:creationId xmlns:a16="http://schemas.microsoft.com/office/drawing/2014/main" id="{15A4C58C-2AAD-9349-8277-BF67AF8A2FCB}"/>
+                <a16:creationId xmlns:a16="http://schemas.microsoft.com/office/drawing/2014/main" id="{F1E02604-762B-FC4F-9996-0BEC35E56D74}"/>
               </a:ext>
             </a:extLst>
           </p:cNvPr>
@@ -5288,51 +7053,80 @@
           <a:bodyPr/>
           <a:lstStyle/>
           <a:p>
-            <a:pPr marL="742950" indent="-742950">
+            <a:pPr marL="514350" indent="-514350">
               <a:buFont typeface="+mj-lt"/>
               <a:buAutoNum type="arabicPeriod"/>
             </a:pPr>
             <a:r>
+              <a:rPr lang="en-US" altLang="ja-JP" dirty="0" err="1"/>
+              <a:t>Tensorflow</a:t>
+            </a:r>
+            <a:r>
               <a:rPr lang="ja-JP" altLang="en-US"/>
-              <a:t>元のプログラムを機能ごとに分けた</a:t>
-            </a:r>
-            <a:endParaRPr kumimoji="1" lang="ja-JP" altLang="en-US"/>
-          </a:p>
-        </p:txBody>
-      </p:sp>
-      <p:pic>
-        <p:nvPicPr>
-          <p:cNvPr id="5" name="コンテンツ プレースホルダー 4">
-            <a:extLst>
-              <a:ext uri="{FF2B5EF4-FFF2-40B4-BE49-F238E27FC236}">
-                <a16:creationId xmlns:a16="http://schemas.microsoft.com/office/drawing/2014/main" id="{BF929945-C3CE-354C-9779-68BF022B2189}"/>
-              </a:ext>
-            </a:extLst>
-          </p:cNvPr>
-          <p:cNvPicPr>
-            <a:picLocks noGrp="1" noChangeAspect="1"/>
-          </p:cNvPicPr>
+              <a:t>について学んだ</a:t>
+            </a:r>
+            <a:endParaRPr lang="en-US" altLang="ja-JP" dirty="0"/>
+          </a:p>
+        </p:txBody>
+      </p:sp>
+      <p:sp>
+        <p:nvSpPr>
+          <p:cNvPr id="3" name="コンテンツ プレースホルダー 2">
+            <a:extLst>
+              <a:ext uri="{FF2B5EF4-FFF2-40B4-BE49-F238E27FC236}">
+                <a16:creationId xmlns:a16="http://schemas.microsoft.com/office/drawing/2014/main" id="{43B581D8-C6D0-794E-9FD0-0E7652C7E42D}"/>
+              </a:ext>
+            </a:extLst>
+          </p:cNvPr>
+          <p:cNvSpPr>
+            <a:spLocks noGrp="1"/>
+          </p:cNvSpPr>
           <p:nvPr>
             <p:ph idx="1"/>
           </p:nvPr>
-        </p:nvPicPr>
-        <p:blipFill>
-          <a:blip r:embed="rId3"/>
-          <a:stretch>
-            <a:fillRect/>
-          </a:stretch>
-        </p:blipFill>
-        <p:spPr>
-          <a:xfrm>
-            <a:off x="1295041" y="1414238"/>
-            <a:ext cx="9439220" cy="5264857"/>
-          </a:xfrm>
-        </p:spPr>
-      </p:pic>
+        </p:nvSpPr>
+        <p:spPr/>
+        <p:txBody>
+          <a:bodyPr>
+            <a:normAutofit/>
+          </a:bodyPr>
+          <a:lstStyle/>
+          <a:p>
+            <a:pPr>
+              <a:lnSpc>
+                <a:spcPct val="250000"/>
+              </a:lnSpc>
+            </a:pPr>
+            <a:r>
+              <a:rPr kumimoji="1" lang="ja-JP" altLang="en-US" sz="4400"/>
+              <a:t>バージョン２ではなく、１を使っていく</a:t>
+            </a:r>
+            <a:endParaRPr kumimoji="1" lang="en-US" altLang="ja-JP" sz="4400" dirty="0"/>
+          </a:p>
+          <a:p>
+            <a:pPr>
+              <a:lnSpc>
+                <a:spcPct val="250000"/>
+              </a:lnSpc>
+            </a:pPr>
+            <a:r>
+              <a:rPr lang="ja-JP" altLang="en-US" sz="4400"/>
+              <a:t>１の方が学びやすいから</a:t>
+            </a:r>
+            <a:endParaRPr kumimoji="1" lang="en-US" altLang="ja-JP" sz="4400" dirty="0"/>
+          </a:p>
+          <a:p>
+            <a:pPr marL="0" indent="0" algn="ctr">
+              <a:buNone/>
+            </a:pPr>
+            <a:endParaRPr kumimoji="1" lang="en-US" altLang="ja-JP" sz="4400" dirty="0"/>
+          </a:p>
+        </p:txBody>
+      </p:sp>
     </p:spTree>
     <p:extLst>
       <p:ext uri="{BB962C8B-B14F-4D97-AF65-F5344CB8AC3E}">
-        <p14:creationId xmlns:p14="http://schemas.microsoft.com/office/powerpoint/2010/main" val="1946257560"/>
+        <p14:creationId xmlns:p14="http://schemas.microsoft.com/office/powerpoint/2010/main" val="3400092004"/>
       </p:ext>
     </p:extLst>
   </p:cSld>
@@ -5364,7 +7158,7 @@
           <p:cNvPr id="2" name="タイトル 1">
             <a:extLst>
               <a:ext uri="{FF2B5EF4-FFF2-40B4-BE49-F238E27FC236}">
-                <a16:creationId xmlns:a16="http://schemas.microsoft.com/office/drawing/2014/main" id="{9DF31232-CB64-354F-B338-F496452701EC}"/>
+                <a16:creationId xmlns:a16="http://schemas.microsoft.com/office/drawing/2014/main" id="{F1E02604-762B-FC4F-9996-0BEC35E56D74}"/>
               </a:ext>
             </a:extLst>
           </p:cNvPr>
@@ -5377,56 +7171,108 @@
         </p:nvSpPr>
         <p:spPr/>
         <p:txBody>
-          <a:bodyPr/>
-          <a:lstStyle/>
-          <a:p>
-            <a:pPr marL="742950" indent="-742950">
-              <a:buFont typeface="+mj-lt"/>
-              <a:buAutoNum type="arabicPeriod"/>
-            </a:pPr>
+          <a:bodyPr>
+            <a:normAutofit fontScale="90000"/>
+          </a:bodyPr>
+          <a:lstStyle/>
+          <a:p>
+            <a:r>
+              <a:rPr lang="en-US" altLang="ja-JP" dirty="0"/>
+              <a:t>2.</a:t>
+            </a:r>
             <a:r>
               <a:rPr lang="ja-JP" altLang="en-US"/>
-              <a:t>元のプログラムを機能ごとに分けた</a:t>
-            </a:r>
+              <a:t>どういうことをやりたいかについて考えた</a:t>
+            </a:r>
+            <a:br>
+              <a:rPr lang="ja-JP" altLang="en-US"/>
+            </a:br>
             <a:endParaRPr kumimoji="1" lang="ja-JP" altLang="en-US"/>
           </a:p>
         </p:txBody>
       </p:sp>
-      <p:pic>
-        <p:nvPicPr>
-          <p:cNvPr id="5" name="コンテンツ プレースホルダー 4">
-            <a:extLst>
-              <a:ext uri="{FF2B5EF4-FFF2-40B4-BE49-F238E27FC236}">
-                <a16:creationId xmlns:a16="http://schemas.microsoft.com/office/drawing/2014/main" id="{8159476D-9FA6-D14E-87D7-CB8CAE587991}"/>
-              </a:ext>
-            </a:extLst>
-          </p:cNvPr>
-          <p:cNvPicPr>
-            <a:picLocks noGrp="1" noChangeAspect="1"/>
-          </p:cNvPicPr>
+      <p:sp>
+        <p:nvSpPr>
+          <p:cNvPr id="3" name="コンテンツ プレースホルダー 2">
+            <a:extLst>
+              <a:ext uri="{FF2B5EF4-FFF2-40B4-BE49-F238E27FC236}">
+                <a16:creationId xmlns:a16="http://schemas.microsoft.com/office/drawing/2014/main" id="{43B581D8-C6D0-794E-9FD0-0E7652C7E42D}"/>
+              </a:ext>
+            </a:extLst>
+          </p:cNvPr>
+          <p:cNvSpPr>
+            <a:spLocks noGrp="1"/>
+          </p:cNvSpPr>
           <p:nvPr>
             <p:ph idx="1"/>
           </p:nvPr>
-        </p:nvPicPr>
-        <p:blipFill>
-          <a:blip r:embed="rId3"/>
-          <a:stretch>
-            <a:fillRect/>
-          </a:stretch>
-        </p:blipFill>
+        </p:nvSpPr>
+        <p:spPr/>
+        <p:txBody>
+          <a:bodyPr>
+            <a:normAutofit/>
+          </a:bodyPr>
+          <a:lstStyle/>
+          <a:p>
+            <a:r>
+              <a:rPr kumimoji="1" lang="en-US" altLang="ja-JP" sz="4400" dirty="0"/>
+              <a:t>CM</a:t>
+            </a:r>
+            <a:r>
+              <a:rPr kumimoji="1" lang="ja-JP" altLang="en-US" sz="4400"/>
+              <a:t>の要因を定量化することで、効果的かどうかを</a:t>
+            </a:r>
+            <a:endParaRPr kumimoji="1" lang="en-US" altLang="ja-JP" sz="4400" dirty="0"/>
+          </a:p>
+        </p:txBody>
+      </p:sp>
+      <p:cxnSp>
+        <p:nvCxnSpPr>
+          <p:cNvPr id="5" name="直線矢印コネクタ 4">
+            <a:extLst>
+              <a:ext uri="{FF2B5EF4-FFF2-40B4-BE49-F238E27FC236}">
+                <a16:creationId xmlns:a16="http://schemas.microsoft.com/office/drawing/2014/main" id="{B59D694E-21B4-9B42-A49F-EFE6E998C03C}"/>
+              </a:ext>
+            </a:extLst>
+          </p:cNvPr>
+          <p:cNvCxnSpPr>
+            <a:cxnSpLocks/>
+          </p:cNvCxnSpPr>
+          <p:nvPr/>
+        </p:nvCxnSpPr>
         <p:spPr>
           <a:xfrm>
-            <a:off x="1642534" y="1215082"/>
-            <a:ext cx="9364133" cy="5642918"/>
+            <a:off x="2355850" y="4918340"/>
+            <a:ext cx="812800" cy="0"/>
           </a:xfrm>
+          <a:prstGeom prst="straightConnector1">
+            <a:avLst/>
+          </a:prstGeom>
+          <a:ln>
+            <a:tailEnd type="triangle"/>
+          </a:ln>
         </p:spPr>
-      </p:pic>
-      <p:sp>
-        <p:nvSpPr>
-          <p:cNvPr id="6" name="テキスト ボックス 5">
-            <a:extLst>
-              <a:ext uri="{FF2B5EF4-FFF2-40B4-BE49-F238E27FC236}">
-                <a16:creationId xmlns:a16="http://schemas.microsoft.com/office/drawing/2014/main" id="{BFB1850D-CE1C-8E49-81E5-41F8CB8C8C18}"/>
+        <p:style>
+          <a:lnRef idx="1">
+            <a:schemeClr val="accent1"/>
+          </a:lnRef>
+          <a:fillRef idx="0">
+            <a:schemeClr val="accent1"/>
+          </a:fillRef>
+          <a:effectRef idx="0">
+            <a:schemeClr val="accent1"/>
+          </a:effectRef>
+          <a:fontRef idx="minor">
+            <a:schemeClr val="tx1"/>
+          </a:fontRef>
+        </p:style>
+      </p:cxnSp>
+      <p:sp>
+        <p:nvSpPr>
+          <p:cNvPr id="8" name="テキスト ボックス 7">
+            <a:extLst>
+              <a:ext uri="{FF2B5EF4-FFF2-40B4-BE49-F238E27FC236}">
+                <a16:creationId xmlns:a16="http://schemas.microsoft.com/office/drawing/2014/main" id="{86E2107F-EE03-3747-9B93-2D55CDA590CF}"/>
               </a:ext>
             </a:extLst>
           </p:cNvPr>
@@ -5435,8 +7281,8 @@
         </p:nvSpPr>
         <p:spPr>
           <a:xfrm>
-            <a:off x="1185333" y="1688043"/>
-            <a:ext cx="877163" cy="369332"/>
+            <a:off x="1093951" y="4605867"/>
+            <a:ext cx="1005403" cy="707886"/>
           </a:xfrm>
           <a:prstGeom prst="rect">
             <a:avLst/>
@@ -5450,16 +7296,173 @@
           <a:lstStyle/>
           <a:p>
             <a:r>
-              <a:rPr kumimoji="1" lang="ja-JP" altLang="en-US"/>
-              <a:t>設計図</a:t>
-            </a:r>
+              <a:rPr lang="en-US" altLang="ja-JP" sz="4000" dirty="0"/>
+              <a:t>CM</a:t>
+            </a:r>
+            <a:endParaRPr kumimoji="1" lang="ja-JP" altLang="en-US" sz="4000"/>
+          </a:p>
+        </p:txBody>
+      </p:sp>
+      <p:sp>
+        <p:nvSpPr>
+          <p:cNvPr id="11" name="テキスト ボックス 10">
+            <a:extLst>
+              <a:ext uri="{FF2B5EF4-FFF2-40B4-BE49-F238E27FC236}">
+                <a16:creationId xmlns:a16="http://schemas.microsoft.com/office/drawing/2014/main" id="{7C9DB926-9F3A-5046-AF9E-CFD1829565F5}"/>
+              </a:ext>
+            </a:extLst>
+          </p:cNvPr>
+          <p:cNvSpPr txBox="1"/>
+          <p:nvPr/>
+        </p:nvSpPr>
+        <p:spPr>
+          <a:xfrm>
+            <a:off x="3494251" y="3647351"/>
+            <a:ext cx="8143576" cy="3170099"/>
+          </a:xfrm>
+          <a:prstGeom prst="rect">
+            <a:avLst/>
+          </a:prstGeom>
+          <a:noFill/>
+        </p:spPr>
+        <p:txBody>
+          <a:bodyPr wrap="none" rtlCol="0">
+            <a:spAutoFit/>
+          </a:bodyPr>
+          <a:lstStyle/>
+          <a:p>
+            <a:r>
+              <a:rPr kumimoji="1" lang="en-US" altLang="ja-JP" sz="4000" dirty="0">
+                <a:solidFill>
+                  <a:schemeClr val="accent1"/>
+                </a:solidFill>
+              </a:rPr>
+              <a:t>80%</a:t>
+            </a:r>
+            <a:r>
+              <a:rPr kumimoji="1" lang="ja-JP" altLang="en-US" sz="4000">
+                <a:solidFill>
+                  <a:schemeClr val="accent1"/>
+                </a:solidFill>
+              </a:rPr>
+              <a:t>の確率</a:t>
+            </a:r>
+            <a:r>
+              <a:rPr kumimoji="1" lang="ja-JP" altLang="en-US" sz="4000"/>
+              <a:t>で</a:t>
+            </a:r>
+            <a:r>
+              <a:rPr kumimoji="1" lang="ja-JP" altLang="en-US" sz="4000">
+                <a:solidFill>
+                  <a:srgbClr val="FF0000"/>
+                </a:solidFill>
+              </a:rPr>
+              <a:t>幼児向け</a:t>
+            </a:r>
+            <a:r>
+              <a:rPr kumimoji="1" lang="ja-JP" altLang="en-US" sz="4000"/>
+              <a:t>の</a:t>
+            </a:r>
+            <a:r>
+              <a:rPr kumimoji="1" lang="en-US" altLang="ja-JP" sz="4000" dirty="0"/>
+              <a:t>CM</a:t>
+            </a:r>
+            <a:r>
+              <a:rPr kumimoji="1" lang="ja-JP" altLang="en-US" sz="4000"/>
+              <a:t>である</a:t>
+            </a:r>
+            <a:endParaRPr kumimoji="1" lang="en-US" altLang="ja-JP" sz="4000" dirty="0"/>
+          </a:p>
+          <a:p>
+            <a:endParaRPr lang="en-US" altLang="ja-JP" sz="4000" dirty="0"/>
+          </a:p>
+          <a:p>
+            <a:r>
+              <a:rPr kumimoji="1" lang="en-US" altLang="ja-JP" sz="4000" dirty="0">
+                <a:solidFill>
+                  <a:schemeClr val="accent1"/>
+                </a:solidFill>
+              </a:rPr>
+              <a:t>60%</a:t>
+            </a:r>
+            <a:r>
+              <a:rPr kumimoji="1" lang="ja-JP" altLang="en-US" sz="4000">
+                <a:solidFill>
+                  <a:schemeClr val="accent1"/>
+                </a:solidFill>
+              </a:rPr>
+              <a:t>の確率</a:t>
+            </a:r>
+            <a:r>
+              <a:rPr kumimoji="1" lang="ja-JP" altLang="en-US" sz="4000"/>
+              <a:t>で</a:t>
+            </a:r>
+            <a:r>
+              <a:rPr kumimoji="1" lang="ja-JP" altLang="en-US" sz="4000">
+                <a:solidFill>
+                  <a:srgbClr val="FF0000"/>
+                </a:solidFill>
+              </a:rPr>
+              <a:t>男性向け</a:t>
+            </a:r>
+            <a:r>
+              <a:rPr kumimoji="1" lang="ja-JP" altLang="en-US" sz="4000"/>
+              <a:t>の</a:t>
+            </a:r>
+            <a:r>
+              <a:rPr kumimoji="1" lang="en-US" altLang="ja-JP" sz="4000" dirty="0"/>
+              <a:t>CM</a:t>
+            </a:r>
+            <a:r>
+              <a:rPr kumimoji="1" lang="ja-JP" altLang="en-US" sz="4000"/>
+              <a:t>である</a:t>
+            </a:r>
+            <a:endParaRPr kumimoji="1" lang="en-US" altLang="ja-JP" sz="4000" dirty="0"/>
+          </a:p>
+          <a:p>
+            <a:endParaRPr lang="en-US" altLang="ja-JP" sz="4000" dirty="0"/>
+          </a:p>
+          <a:p>
+            <a:r>
+              <a:rPr lang="ja-JP" altLang="en-US" sz="4000"/>
+              <a:t>＊</a:t>
+            </a:r>
+            <a:r>
+              <a:rPr lang="ja-JP" altLang="en-US" sz="4000">
+                <a:solidFill>
+                  <a:schemeClr val="accent1"/>
+                </a:solidFill>
+              </a:rPr>
+              <a:t>誰向けの</a:t>
+            </a:r>
+            <a:r>
+              <a:rPr lang="en-US" altLang="ja-JP" sz="4000" dirty="0">
+                <a:solidFill>
+                  <a:schemeClr val="accent1"/>
+                </a:solidFill>
+              </a:rPr>
+              <a:t>CM</a:t>
+            </a:r>
+            <a:r>
+              <a:rPr lang="ja-JP" altLang="en-US" sz="4000">
+                <a:solidFill>
+                  <a:schemeClr val="accent1"/>
+                </a:solidFill>
+              </a:rPr>
+              <a:t>かわからない</a:t>
+            </a:r>
+            <a:endParaRPr kumimoji="1" lang="ja-JP" altLang="en-US" sz="4000">
+              <a:solidFill>
+                <a:schemeClr val="accent1"/>
+              </a:solidFill>
+            </a:endParaRPr>
           </a:p>
         </p:txBody>
       </p:sp>
     </p:spTree>
     <p:extLst>
       <p:ext uri="{BB962C8B-B14F-4D97-AF65-F5344CB8AC3E}">
-        <p14:creationId xmlns:p14="http://schemas.microsoft.com/office/powerpoint/2010/main" val="3177858690"/>
+        <p14:creationId xmlns:p14="http://schemas.microsoft.com/office/powerpoint/2010/main" val="1233894798"/>
       </p:ext>
     </p:extLst>
   </p:cSld>
@@ -5491,7 +7494,7 @@
           <p:cNvPr id="2" name="タイトル 1">
             <a:extLst>
               <a:ext uri="{FF2B5EF4-FFF2-40B4-BE49-F238E27FC236}">
-                <a16:creationId xmlns:a16="http://schemas.microsoft.com/office/drawing/2014/main" id="{15A4C58C-2AAD-9349-8277-BF67AF8A2FCB}"/>
+                <a16:creationId xmlns:a16="http://schemas.microsoft.com/office/drawing/2014/main" id="{F1E02604-762B-FC4F-9996-0BEC35E56D74}"/>
               </a:ext>
             </a:extLst>
           </p:cNvPr>
@@ -5504,54 +7507,335 @@
         </p:nvSpPr>
         <p:spPr/>
         <p:txBody>
-          <a:bodyPr/>
-          <a:lstStyle/>
-          <a:p>
-            <a:pPr marL="742950" indent="-742950">
-              <a:buFont typeface="+mj-lt"/>
-              <a:buAutoNum type="arabicPeriod"/>
-            </a:pPr>
+          <a:bodyPr>
+            <a:normAutofit fontScale="90000"/>
+          </a:bodyPr>
+          <a:lstStyle/>
+          <a:p>
+            <a:r>
+              <a:rPr lang="en-US" altLang="ja-JP" dirty="0"/>
+              <a:t>2.</a:t>
+            </a:r>
             <a:r>
               <a:rPr lang="ja-JP" altLang="en-US"/>
-              <a:t>元のプログラムを機能ごとに分けた</a:t>
-            </a:r>
+              <a:t>どういうことをやりたいかについて考えた</a:t>
+            </a:r>
+            <a:br>
+              <a:rPr lang="ja-JP" altLang="en-US"/>
+            </a:br>
             <a:endParaRPr kumimoji="1" lang="ja-JP" altLang="en-US"/>
           </a:p>
         </p:txBody>
       </p:sp>
-      <p:pic>
-        <p:nvPicPr>
-          <p:cNvPr id="7" name="コンテンツ プレースホルダー 6">
-            <a:extLst>
-              <a:ext uri="{FF2B5EF4-FFF2-40B4-BE49-F238E27FC236}">
-                <a16:creationId xmlns:a16="http://schemas.microsoft.com/office/drawing/2014/main" id="{14CE20ED-9520-FD41-8312-59BB7ED7DBB1}"/>
-              </a:ext>
-            </a:extLst>
-          </p:cNvPr>
-          <p:cNvPicPr>
-            <a:picLocks noGrp="1" noChangeAspect="1"/>
-          </p:cNvPicPr>
+      <p:sp>
+        <p:nvSpPr>
+          <p:cNvPr id="3" name="コンテンツ プレースホルダー 2">
+            <a:extLst>
+              <a:ext uri="{FF2B5EF4-FFF2-40B4-BE49-F238E27FC236}">
+                <a16:creationId xmlns:a16="http://schemas.microsoft.com/office/drawing/2014/main" id="{43B581D8-C6D0-794E-9FD0-0E7652C7E42D}"/>
+              </a:ext>
+            </a:extLst>
+          </p:cNvPr>
+          <p:cNvSpPr>
+            <a:spLocks noGrp="1"/>
+          </p:cNvSpPr>
           <p:nvPr>
             <p:ph idx="1"/>
           </p:nvPr>
-        </p:nvPicPr>
-        <p:blipFill>
-          <a:blip r:embed="rId3"/>
-          <a:stretch>
-            <a:fillRect/>
-          </a:stretch>
-        </p:blipFill>
+        </p:nvSpPr>
+        <p:spPr/>
+        <p:txBody>
+          <a:bodyPr>
+            <a:normAutofit/>
+          </a:bodyPr>
+          <a:lstStyle/>
+          <a:p>
+            <a:r>
+              <a:rPr kumimoji="1" lang="en-US" altLang="ja-JP" sz="4400" dirty="0"/>
+              <a:t>CM</a:t>
+            </a:r>
+            <a:r>
+              <a:rPr kumimoji="1" lang="ja-JP" altLang="en-US" sz="4400"/>
+              <a:t>の要因を定量化する</a:t>
+            </a:r>
+            <a:endParaRPr kumimoji="1" lang="en-US" altLang="ja-JP" sz="4400" dirty="0"/>
+          </a:p>
+        </p:txBody>
+      </p:sp>
+      <p:cxnSp>
+        <p:nvCxnSpPr>
+          <p:cNvPr id="5" name="直線矢印コネクタ 4">
+            <a:extLst>
+              <a:ext uri="{FF2B5EF4-FFF2-40B4-BE49-F238E27FC236}">
+                <a16:creationId xmlns:a16="http://schemas.microsoft.com/office/drawing/2014/main" id="{B59D694E-21B4-9B42-A49F-EFE6E998C03C}"/>
+              </a:ext>
+            </a:extLst>
+          </p:cNvPr>
+          <p:cNvCxnSpPr>
+            <a:cxnSpLocks/>
+          </p:cNvCxnSpPr>
+          <p:nvPr/>
+        </p:nvCxnSpPr>
         <p:spPr>
           <a:xfrm>
-            <a:off x="1729409" y="1690688"/>
-            <a:ext cx="8051801" cy="5032376"/>
+            <a:off x="5283200" y="3844724"/>
+            <a:ext cx="812800" cy="0"/>
           </a:xfrm>
+          <a:prstGeom prst="straightConnector1">
+            <a:avLst/>
+          </a:prstGeom>
+          <a:ln>
+            <a:tailEnd type="triangle"/>
+          </a:ln>
         </p:spPr>
-      </p:pic>
+        <p:style>
+          <a:lnRef idx="1">
+            <a:schemeClr val="accent1"/>
+          </a:lnRef>
+          <a:fillRef idx="0">
+            <a:schemeClr val="accent1"/>
+          </a:fillRef>
+          <a:effectRef idx="0">
+            <a:schemeClr val="accent1"/>
+          </a:effectRef>
+          <a:fontRef idx="minor">
+            <a:schemeClr val="tx1"/>
+          </a:fontRef>
+        </p:style>
+      </p:cxnSp>
+      <p:sp>
+        <p:nvSpPr>
+          <p:cNvPr id="11" name="テキスト ボックス 10">
+            <a:extLst>
+              <a:ext uri="{FF2B5EF4-FFF2-40B4-BE49-F238E27FC236}">
+                <a16:creationId xmlns:a16="http://schemas.microsoft.com/office/drawing/2014/main" id="{7C9DB926-9F3A-5046-AF9E-CFD1829565F5}"/>
+              </a:ext>
+            </a:extLst>
+          </p:cNvPr>
+          <p:cNvSpPr txBox="1"/>
+          <p:nvPr/>
+        </p:nvSpPr>
+        <p:spPr>
+          <a:xfrm>
+            <a:off x="179551" y="3638550"/>
+            <a:ext cx="5192549" cy="1938992"/>
+          </a:xfrm>
+          <a:prstGeom prst="rect">
+            <a:avLst/>
+          </a:prstGeom>
+          <a:noFill/>
+        </p:spPr>
+        <p:txBody>
+          <a:bodyPr wrap="square" rtlCol="0">
+            <a:spAutoFit/>
+          </a:bodyPr>
+          <a:lstStyle/>
+          <a:p>
+            <a:r>
+              <a:rPr kumimoji="1" lang="en-US" altLang="ja-JP" sz="2400" dirty="0"/>
+              <a:t>80%</a:t>
+            </a:r>
+            <a:r>
+              <a:rPr kumimoji="1" lang="ja-JP" altLang="en-US" sz="2400"/>
+              <a:t>の確率で幼児向けの</a:t>
+            </a:r>
+            <a:r>
+              <a:rPr kumimoji="1" lang="en-US" altLang="ja-JP" sz="2400" dirty="0"/>
+              <a:t>CM</a:t>
+            </a:r>
+            <a:r>
+              <a:rPr kumimoji="1" lang="ja-JP" altLang="en-US" sz="2400"/>
+              <a:t>である</a:t>
+            </a:r>
+            <a:endParaRPr kumimoji="1" lang="en-US" altLang="ja-JP" sz="2400" dirty="0"/>
+          </a:p>
+          <a:p>
+            <a:endParaRPr lang="en-US" altLang="ja-JP" sz="2400" dirty="0"/>
+          </a:p>
+          <a:p>
+            <a:r>
+              <a:rPr lang="en-US" altLang="ja-JP" sz="2400" dirty="0"/>
+              <a:t>20</a:t>
+            </a:r>
+            <a:r>
+              <a:rPr kumimoji="1" lang="en-US" altLang="ja-JP" sz="2400" dirty="0"/>
+              <a:t>%</a:t>
+            </a:r>
+            <a:r>
+              <a:rPr kumimoji="1" lang="ja-JP" altLang="en-US" sz="2400"/>
+              <a:t>の確率で男性向けの</a:t>
+            </a:r>
+            <a:r>
+              <a:rPr kumimoji="1" lang="en-US" altLang="ja-JP" sz="2400" dirty="0"/>
+              <a:t>CM</a:t>
+            </a:r>
+            <a:r>
+              <a:rPr kumimoji="1" lang="ja-JP" altLang="en-US" sz="2400"/>
+              <a:t>である</a:t>
+            </a:r>
+            <a:endParaRPr kumimoji="1" lang="en-US" altLang="ja-JP" sz="2400" dirty="0"/>
+          </a:p>
+          <a:p>
+            <a:endParaRPr lang="en-US" altLang="ja-JP" sz="2400" dirty="0"/>
+          </a:p>
+          <a:p>
+            <a:r>
+              <a:rPr lang="ja-JP" altLang="en-US" sz="2400"/>
+              <a:t>＊誰向けの</a:t>
+            </a:r>
+            <a:r>
+              <a:rPr lang="en-US" altLang="ja-JP" sz="2400" dirty="0"/>
+              <a:t>CM</a:t>
+            </a:r>
+            <a:r>
+              <a:rPr lang="ja-JP" altLang="en-US" sz="2400"/>
+              <a:t>かわからない</a:t>
+            </a:r>
+            <a:endParaRPr kumimoji="1" lang="ja-JP" altLang="en-US" sz="2400"/>
+          </a:p>
+        </p:txBody>
+      </p:sp>
+      <p:sp>
+        <p:nvSpPr>
+          <p:cNvPr id="7" name="テキスト ボックス 6">
+            <a:extLst>
+              <a:ext uri="{FF2B5EF4-FFF2-40B4-BE49-F238E27FC236}">
+                <a16:creationId xmlns:a16="http://schemas.microsoft.com/office/drawing/2014/main" id="{441B8495-CE85-3443-9A5D-EBC23CF71F0E}"/>
+              </a:ext>
+            </a:extLst>
+          </p:cNvPr>
+          <p:cNvSpPr txBox="1"/>
+          <p:nvPr/>
+        </p:nvSpPr>
+        <p:spPr>
+          <a:xfrm>
+            <a:off x="6523201" y="3638550"/>
+            <a:ext cx="5192549" cy="1938992"/>
+          </a:xfrm>
+          <a:prstGeom prst="rect">
+            <a:avLst/>
+          </a:prstGeom>
+          <a:noFill/>
+        </p:spPr>
+        <p:txBody>
+          <a:bodyPr wrap="square" rtlCol="0">
+            <a:spAutoFit/>
+          </a:bodyPr>
+          <a:lstStyle/>
+          <a:p>
+            <a:r>
+              <a:rPr lang="ja-JP" altLang="en-US" sz="2400"/>
+              <a:t>情報量が大きい</a:t>
+            </a:r>
+            <a:endParaRPr lang="en-US" altLang="ja-JP" sz="2400" dirty="0"/>
+          </a:p>
+          <a:p>
+            <a:endParaRPr lang="en-US" altLang="ja-JP" sz="2400" dirty="0"/>
+          </a:p>
+          <a:p>
+            <a:r>
+              <a:rPr kumimoji="1" lang="ja-JP" altLang="en-US" sz="2400"/>
+              <a:t>情報量が少ない</a:t>
+            </a:r>
+            <a:endParaRPr kumimoji="1" lang="en-US" altLang="ja-JP" sz="2400" dirty="0"/>
+          </a:p>
+          <a:p>
+            <a:endParaRPr lang="en-US" altLang="ja-JP" sz="2400" dirty="0"/>
+          </a:p>
+          <a:p>
+            <a:r>
+              <a:rPr kumimoji="1" lang="ja-JP" altLang="en-US" sz="2400"/>
+              <a:t>情報量で測ることはできない</a:t>
+            </a:r>
+          </a:p>
+        </p:txBody>
+      </p:sp>
+      <p:cxnSp>
+        <p:nvCxnSpPr>
+          <p:cNvPr id="9" name="直線矢印コネクタ 8">
+            <a:extLst>
+              <a:ext uri="{FF2B5EF4-FFF2-40B4-BE49-F238E27FC236}">
+                <a16:creationId xmlns:a16="http://schemas.microsoft.com/office/drawing/2014/main" id="{1F25F581-E22C-A740-9FDB-BD66E6E1D19F}"/>
+              </a:ext>
+            </a:extLst>
+          </p:cNvPr>
+          <p:cNvCxnSpPr>
+            <a:cxnSpLocks/>
+          </p:cNvCxnSpPr>
+          <p:nvPr/>
+        </p:nvCxnSpPr>
+        <p:spPr>
+          <a:xfrm>
+            <a:off x="5283200" y="4608046"/>
+            <a:ext cx="812800" cy="0"/>
+          </a:xfrm>
+          <a:prstGeom prst="straightConnector1">
+            <a:avLst/>
+          </a:prstGeom>
+          <a:ln>
+            <a:tailEnd type="triangle"/>
+          </a:ln>
+        </p:spPr>
+        <p:style>
+          <a:lnRef idx="1">
+            <a:schemeClr val="accent1"/>
+          </a:lnRef>
+          <a:fillRef idx="0">
+            <a:schemeClr val="accent1"/>
+          </a:fillRef>
+          <a:effectRef idx="0">
+            <a:schemeClr val="accent1"/>
+          </a:effectRef>
+          <a:fontRef idx="minor">
+            <a:schemeClr val="tx1"/>
+          </a:fontRef>
+        </p:style>
+      </p:cxnSp>
+      <p:cxnSp>
+        <p:nvCxnSpPr>
+          <p:cNvPr id="10" name="直線矢印コネクタ 9">
+            <a:extLst>
+              <a:ext uri="{FF2B5EF4-FFF2-40B4-BE49-F238E27FC236}">
+                <a16:creationId xmlns:a16="http://schemas.microsoft.com/office/drawing/2014/main" id="{89D4D260-278D-534D-94B0-BDB7F8E72B23}"/>
+              </a:ext>
+            </a:extLst>
+          </p:cNvPr>
+          <p:cNvCxnSpPr>
+            <a:cxnSpLocks/>
+          </p:cNvCxnSpPr>
+          <p:nvPr/>
+        </p:nvCxnSpPr>
+        <p:spPr>
+          <a:xfrm>
+            <a:off x="5200650" y="5293846"/>
+            <a:ext cx="812800" cy="0"/>
+          </a:xfrm>
+          <a:prstGeom prst="straightConnector1">
+            <a:avLst/>
+          </a:prstGeom>
+          <a:ln>
+            <a:tailEnd type="triangle"/>
+          </a:ln>
+        </p:spPr>
+        <p:style>
+          <a:lnRef idx="1">
+            <a:schemeClr val="accent1"/>
+          </a:lnRef>
+          <a:fillRef idx="0">
+            <a:schemeClr val="accent1"/>
+          </a:fillRef>
+          <a:effectRef idx="0">
+            <a:schemeClr val="accent1"/>
+          </a:effectRef>
+          <a:fontRef idx="minor">
+            <a:schemeClr val="tx1"/>
+          </a:fontRef>
+        </p:style>
+      </p:cxnSp>
     </p:spTree>
     <p:extLst>
       <p:ext uri="{BB962C8B-B14F-4D97-AF65-F5344CB8AC3E}">
-        <p14:creationId xmlns:p14="http://schemas.microsoft.com/office/powerpoint/2010/main" val="585851691"/>
+        <p14:creationId xmlns:p14="http://schemas.microsoft.com/office/powerpoint/2010/main" val="1211925068"/>
       </p:ext>
     </p:extLst>
   </p:cSld>
@@ -5583,7 +7867,7 @@
           <p:cNvPr id="2" name="タイトル 1">
             <a:extLst>
               <a:ext uri="{FF2B5EF4-FFF2-40B4-BE49-F238E27FC236}">
-                <a16:creationId xmlns:a16="http://schemas.microsoft.com/office/drawing/2014/main" id="{9DF31232-CB64-354F-B338-F496452701EC}"/>
+                <a16:creationId xmlns:a16="http://schemas.microsoft.com/office/drawing/2014/main" id="{F1E02604-762B-FC4F-9996-0BEC35E56D74}"/>
               </a:ext>
             </a:extLst>
           </p:cNvPr>
@@ -5596,56 +7880,107 @@
         </p:nvSpPr>
         <p:spPr/>
         <p:txBody>
-          <a:bodyPr/>
-          <a:lstStyle/>
-          <a:p>
-            <a:pPr marL="742950" indent="-742950">
-              <a:buFont typeface="+mj-lt"/>
-              <a:buAutoNum type="arabicPeriod"/>
-            </a:pPr>
+          <a:bodyPr>
+            <a:normAutofit fontScale="90000"/>
+          </a:bodyPr>
+          <a:lstStyle/>
+          <a:p>
+            <a:r>
+              <a:rPr lang="en-US" altLang="ja-JP" dirty="0"/>
+              <a:t>2.</a:t>
+            </a:r>
             <a:r>
               <a:rPr lang="ja-JP" altLang="en-US"/>
-              <a:t>元のプログラムを機能ごとに分けた</a:t>
-            </a:r>
+              <a:t>どういうことをやりたいかについて考えた</a:t>
+            </a:r>
+            <a:br>
+              <a:rPr lang="ja-JP" altLang="en-US"/>
+            </a:br>
             <a:endParaRPr kumimoji="1" lang="ja-JP" altLang="en-US"/>
           </a:p>
         </p:txBody>
       </p:sp>
-      <p:pic>
-        <p:nvPicPr>
-          <p:cNvPr id="5" name="コンテンツ プレースホルダー 4">
-            <a:extLst>
-              <a:ext uri="{FF2B5EF4-FFF2-40B4-BE49-F238E27FC236}">
-                <a16:creationId xmlns:a16="http://schemas.microsoft.com/office/drawing/2014/main" id="{8159476D-9FA6-D14E-87D7-CB8CAE587991}"/>
-              </a:ext>
-            </a:extLst>
-          </p:cNvPr>
-          <p:cNvPicPr>
-            <a:picLocks noGrp="1" noChangeAspect="1"/>
-          </p:cNvPicPr>
+      <p:sp>
+        <p:nvSpPr>
+          <p:cNvPr id="3" name="コンテンツ プレースホルダー 2">
+            <a:extLst>
+              <a:ext uri="{FF2B5EF4-FFF2-40B4-BE49-F238E27FC236}">
+                <a16:creationId xmlns:a16="http://schemas.microsoft.com/office/drawing/2014/main" id="{43B581D8-C6D0-794E-9FD0-0E7652C7E42D}"/>
+              </a:ext>
+            </a:extLst>
+          </p:cNvPr>
+          <p:cNvSpPr>
+            <a:spLocks noGrp="1"/>
+          </p:cNvSpPr>
           <p:nvPr>
             <p:ph idx="1"/>
           </p:nvPr>
-        </p:nvPicPr>
-        <p:blipFill>
-          <a:blip r:embed="rId3"/>
-          <a:stretch>
-            <a:fillRect/>
-          </a:stretch>
-        </p:blipFill>
+        </p:nvSpPr>
+        <p:spPr/>
+        <p:txBody>
+          <a:bodyPr>
+            <a:normAutofit/>
+          </a:bodyPr>
+          <a:lstStyle/>
+          <a:p>
+            <a:r>
+              <a:rPr kumimoji="1" lang="ja-JP" altLang="en-US" sz="4400"/>
+              <a:t>どのようにするか</a:t>
+            </a:r>
+            <a:endParaRPr kumimoji="1" lang="en-US" altLang="ja-JP" sz="4400" dirty="0"/>
+          </a:p>
+          <a:p>
+            <a:endParaRPr kumimoji="1" lang="en-US" altLang="ja-JP" sz="4400" dirty="0"/>
+          </a:p>
+        </p:txBody>
+      </p:sp>
+      <p:cxnSp>
+        <p:nvCxnSpPr>
+          <p:cNvPr id="5" name="直線矢印コネクタ 4">
+            <a:extLst>
+              <a:ext uri="{FF2B5EF4-FFF2-40B4-BE49-F238E27FC236}">
+                <a16:creationId xmlns:a16="http://schemas.microsoft.com/office/drawing/2014/main" id="{B59D694E-21B4-9B42-A49F-EFE6E998C03C}"/>
+              </a:ext>
+            </a:extLst>
+          </p:cNvPr>
+          <p:cNvCxnSpPr>
+            <a:cxnSpLocks/>
+          </p:cNvCxnSpPr>
+          <p:nvPr/>
+        </p:nvCxnSpPr>
         <p:spPr>
           <a:xfrm>
-            <a:off x="1642534" y="1215082"/>
-            <a:ext cx="9364133" cy="5642918"/>
+            <a:off x="2355850" y="4918340"/>
+            <a:ext cx="812800" cy="0"/>
           </a:xfrm>
+          <a:prstGeom prst="straightConnector1">
+            <a:avLst/>
+          </a:prstGeom>
+          <a:ln>
+            <a:tailEnd type="triangle"/>
+          </a:ln>
         </p:spPr>
-      </p:pic>
-      <p:sp>
-        <p:nvSpPr>
-          <p:cNvPr id="6" name="テキスト ボックス 5">
-            <a:extLst>
-              <a:ext uri="{FF2B5EF4-FFF2-40B4-BE49-F238E27FC236}">
-                <a16:creationId xmlns:a16="http://schemas.microsoft.com/office/drawing/2014/main" id="{BFB1850D-CE1C-8E49-81E5-41F8CB8C8C18}"/>
+        <p:style>
+          <a:lnRef idx="1">
+            <a:schemeClr val="accent1"/>
+          </a:lnRef>
+          <a:fillRef idx="0">
+            <a:schemeClr val="accent1"/>
+          </a:fillRef>
+          <a:effectRef idx="0">
+            <a:schemeClr val="accent1"/>
+          </a:effectRef>
+          <a:fontRef idx="minor">
+            <a:schemeClr val="tx1"/>
+          </a:fontRef>
+        </p:style>
+      </p:cxnSp>
+      <p:sp>
+        <p:nvSpPr>
+          <p:cNvPr id="8" name="テキスト ボックス 7">
+            <a:extLst>
+              <a:ext uri="{FF2B5EF4-FFF2-40B4-BE49-F238E27FC236}">
+                <a16:creationId xmlns:a16="http://schemas.microsoft.com/office/drawing/2014/main" id="{86E2107F-EE03-3747-9B93-2D55CDA590CF}"/>
               </a:ext>
             </a:extLst>
           </p:cNvPr>
@@ -5654,8 +7989,8 @@
         </p:nvSpPr>
         <p:spPr>
           <a:xfrm>
-            <a:off x="1185333" y="1688043"/>
-            <a:ext cx="877163" cy="369332"/>
+            <a:off x="1093951" y="4605867"/>
+            <a:ext cx="1005403" cy="707886"/>
           </a:xfrm>
           <a:prstGeom prst="rect">
             <a:avLst/>
@@ -5669,16 +8004,149 @@
           <a:lstStyle/>
           <a:p>
             <a:r>
-              <a:rPr kumimoji="1" lang="ja-JP" altLang="en-US"/>
-              <a:t>設計図</a:t>
-            </a:r>
+              <a:rPr lang="en-US" altLang="ja-JP" sz="4000" dirty="0"/>
+              <a:t>CM</a:t>
+            </a:r>
+            <a:endParaRPr kumimoji="1" lang="ja-JP" altLang="en-US" sz="4000"/>
+          </a:p>
+        </p:txBody>
+      </p:sp>
+      <p:cxnSp>
+        <p:nvCxnSpPr>
+          <p:cNvPr id="9" name="直線矢印コネクタ 8">
+            <a:extLst>
+              <a:ext uri="{FF2B5EF4-FFF2-40B4-BE49-F238E27FC236}">
+                <a16:creationId xmlns:a16="http://schemas.microsoft.com/office/drawing/2014/main" id="{BA89BF2A-2F36-2645-9107-D5C4746EEC46}"/>
+              </a:ext>
+            </a:extLst>
+          </p:cNvPr>
+          <p:cNvCxnSpPr>
+            <a:cxnSpLocks/>
+          </p:cNvCxnSpPr>
+          <p:nvPr/>
+        </p:nvCxnSpPr>
+        <p:spPr>
+          <a:xfrm>
+            <a:off x="5689600" y="4918340"/>
+            <a:ext cx="812800" cy="0"/>
+          </a:xfrm>
+          <a:prstGeom prst="straightConnector1">
+            <a:avLst/>
+          </a:prstGeom>
+          <a:ln>
+            <a:tailEnd type="triangle"/>
+          </a:ln>
+        </p:spPr>
+        <p:style>
+          <a:lnRef idx="1">
+            <a:schemeClr val="accent1"/>
+          </a:lnRef>
+          <a:fillRef idx="0">
+            <a:schemeClr val="accent1"/>
+          </a:fillRef>
+          <a:effectRef idx="0">
+            <a:schemeClr val="accent1"/>
+          </a:effectRef>
+          <a:fontRef idx="minor">
+            <a:schemeClr val="tx1"/>
+          </a:fontRef>
+        </p:style>
+      </p:cxnSp>
+      <p:sp>
+        <p:nvSpPr>
+          <p:cNvPr id="10" name="正方形/長方形 9">
+            <a:extLst>
+              <a:ext uri="{FF2B5EF4-FFF2-40B4-BE49-F238E27FC236}">
+                <a16:creationId xmlns:a16="http://schemas.microsoft.com/office/drawing/2014/main" id="{A8F2C022-73CD-8F41-A7F3-B12ACE946209}"/>
+              </a:ext>
+            </a:extLst>
+          </p:cNvPr>
+          <p:cNvSpPr/>
+          <p:nvPr/>
+        </p:nvSpPr>
+        <p:spPr>
+          <a:xfrm>
+            <a:off x="3485068" y="4399353"/>
+            <a:ext cx="1705854" cy="914400"/>
+          </a:xfrm>
+          <a:prstGeom prst="rect">
+            <a:avLst/>
+          </a:prstGeom>
+        </p:spPr>
+        <p:style>
+          <a:lnRef idx="2">
+            <a:schemeClr val="accent6"/>
+          </a:lnRef>
+          <a:fillRef idx="1">
+            <a:schemeClr val="lt1"/>
+          </a:fillRef>
+          <a:effectRef idx="0">
+            <a:schemeClr val="accent6"/>
+          </a:effectRef>
+          <a:fontRef idx="minor">
+            <a:schemeClr val="dk1"/>
+          </a:fontRef>
+        </p:style>
+        <p:txBody>
+          <a:bodyPr rtlCol="0" anchor="ctr"/>
+          <a:lstStyle/>
+          <a:p>
+            <a:pPr algn="ctr"/>
+            <a:r>
+              <a:rPr lang="ja-JP" altLang="en-US"/>
+              <a:t>機械学習</a:t>
+            </a:r>
+            <a:endParaRPr kumimoji="1" lang="ja-JP" altLang="en-US"/>
+          </a:p>
+        </p:txBody>
+      </p:sp>
+      <p:sp>
+        <p:nvSpPr>
+          <p:cNvPr id="15" name="テキスト ボックス 14">
+            <a:extLst>
+              <a:ext uri="{FF2B5EF4-FFF2-40B4-BE49-F238E27FC236}">
+                <a16:creationId xmlns:a16="http://schemas.microsoft.com/office/drawing/2014/main" id="{82BB3768-2AA3-2348-A25E-59237B4D8FA3}"/>
+              </a:ext>
+            </a:extLst>
+          </p:cNvPr>
+          <p:cNvSpPr txBox="1"/>
+          <p:nvPr/>
+        </p:nvSpPr>
+        <p:spPr>
+          <a:xfrm>
+            <a:off x="7410586" y="4298090"/>
+            <a:ext cx="1723549" cy="1323439"/>
+          </a:xfrm>
+          <a:prstGeom prst="rect">
+            <a:avLst/>
+          </a:prstGeom>
+          <a:noFill/>
+        </p:spPr>
+        <p:txBody>
+          <a:bodyPr wrap="none" rtlCol="0">
+            <a:spAutoFit/>
+          </a:bodyPr>
+          <a:lstStyle/>
+          <a:p>
+            <a:r>
+              <a:rPr lang="ja-JP" altLang="en-US" sz="4000"/>
+              <a:t>分布１</a:t>
+            </a:r>
+            <a:endParaRPr lang="en-US" altLang="ja-JP" sz="4000" dirty="0"/>
+          </a:p>
+          <a:p>
+            <a:r>
+              <a:rPr lang="ja-JP" altLang="en-US" sz="4000"/>
+              <a:t>分布２</a:t>
+            </a:r>
+            <a:endParaRPr lang="en-US" altLang="ja-JP" sz="4000" dirty="0"/>
           </a:p>
         </p:txBody>
       </p:sp>
     </p:spTree>
     <p:extLst>
       <p:ext uri="{BB962C8B-B14F-4D97-AF65-F5344CB8AC3E}">
-        <p14:creationId xmlns:p14="http://schemas.microsoft.com/office/powerpoint/2010/main" val="4227193761"/>
+        <p14:creationId xmlns:p14="http://schemas.microsoft.com/office/powerpoint/2010/main" val="2415960041"/>
       </p:ext>
     </p:extLst>
   </p:cSld>
@@ -5723,17 +8191,22 @@
         </p:nvSpPr>
         <p:spPr/>
         <p:txBody>
-          <a:bodyPr/>
-          <a:lstStyle/>
-          <a:p>
-            <a:pPr marL="742950" indent="-742950">
-              <a:buFont typeface="+mj-lt"/>
-              <a:buAutoNum type="arabicPeriod"/>
-            </a:pPr>
+          <a:bodyPr>
+            <a:normAutofit fontScale="90000"/>
+          </a:bodyPr>
+          <a:lstStyle/>
+          <a:p>
+            <a:r>
+              <a:rPr lang="en-US" altLang="ja-JP" dirty="0"/>
+              <a:t>2.</a:t>
+            </a:r>
             <a:r>
               <a:rPr lang="ja-JP" altLang="en-US"/>
-              <a:t>元のプログラムを機能ごとに分けた</a:t>
-            </a:r>
+              <a:t>どういうことをやりたいかについて考えた</a:t>
+            </a:r>
+            <a:br>
+              <a:rPr lang="ja-JP" altLang="en-US"/>
+            </a:br>
             <a:endParaRPr kumimoji="1" lang="ja-JP" altLang="en-US"/>
           </a:p>
         </p:txBody>
@@ -5754,43 +8227,214 @@
             <p:ph idx="1"/>
           </p:nvPr>
         </p:nvSpPr>
-        <p:spPr/>
+        <p:spPr>
+          <a:xfrm>
+            <a:off x="838200" y="1825625"/>
+            <a:ext cx="10515600" cy="4351338"/>
+          </a:xfrm>
+        </p:spPr>
         <p:txBody>
           <a:bodyPr>
             <a:normAutofit/>
           </a:bodyPr>
           <a:lstStyle/>
           <a:p>
-            <a:pPr>
-              <a:lnSpc>
-                <a:spcPct val="250000"/>
-              </a:lnSpc>
-            </a:pPr>
+            <a:r>
+              <a:rPr kumimoji="1" lang="en-US" altLang="ja-JP" sz="4400" dirty="0"/>
+              <a:t>CM</a:t>
+            </a:r>
             <a:r>
               <a:rPr kumimoji="1" lang="ja-JP" altLang="en-US" sz="4400"/>
-              <a:t>プログラムの構造が理解しやすくなった</a:t>
+              <a:t>の要因を定量化する</a:t>
             </a:r>
             <a:endParaRPr kumimoji="1" lang="en-US" altLang="ja-JP" sz="4400" dirty="0"/>
           </a:p>
           <a:p>
-            <a:r>
-              <a:rPr kumimoji="1" lang="ja-JP" altLang="en-US" sz="4400"/>
-              <a:t>自分のやつを作るときに使えそう</a:t>
-            </a:r>
             <a:endParaRPr kumimoji="1" lang="en-US" altLang="ja-JP" sz="4400" dirty="0"/>
           </a:p>
-          <a:p>
-            <a:pPr marL="0" indent="0" algn="ctr">
-              <a:buNone/>
-            </a:pPr>
-            <a:endParaRPr kumimoji="1" lang="en-US" altLang="ja-JP" sz="4400" dirty="0"/>
+        </p:txBody>
+      </p:sp>
+      <p:cxnSp>
+        <p:nvCxnSpPr>
+          <p:cNvPr id="9" name="直線矢印コネクタ 8">
+            <a:extLst>
+              <a:ext uri="{FF2B5EF4-FFF2-40B4-BE49-F238E27FC236}">
+                <a16:creationId xmlns:a16="http://schemas.microsoft.com/office/drawing/2014/main" id="{BA89BF2A-2F36-2645-9107-D5C4746EEC46}"/>
+              </a:ext>
+            </a:extLst>
+          </p:cNvPr>
+          <p:cNvCxnSpPr>
+            <a:cxnSpLocks/>
+          </p:cNvCxnSpPr>
+          <p:nvPr/>
+        </p:nvCxnSpPr>
+        <p:spPr>
+          <a:xfrm>
+            <a:off x="4893733" y="4726977"/>
+            <a:ext cx="2745317" cy="0"/>
+          </a:xfrm>
+          <a:prstGeom prst="straightConnector1">
+            <a:avLst/>
+          </a:prstGeom>
+          <a:ln>
+            <a:tailEnd type="triangle"/>
+          </a:ln>
+        </p:spPr>
+        <p:style>
+          <a:lnRef idx="1">
+            <a:schemeClr val="accent1"/>
+          </a:lnRef>
+          <a:fillRef idx="0">
+            <a:schemeClr val="accent1"/>
+          </a:fillRef>
+          <a:effectRef idx="0">
+            <a:schemeClr val="accent1"/>
+          </a:effectRef>
+          <a:fontRef idx="minor">
+            <a:schemeClr val="tx1"/>
+          </a:fontRef>
+        </p:style>
+      </p:cxnSp>
+      <p:sp>
+        <p:nvSpPr>
+          <p:cNvPr id="15" name="テキスト ボックス 14">
+            <a:extLst>
+              <a:ext uri="{FF2B5EF4-FFF2-40B4-BE49-F238E27FC236}">
+                <a16:creationId xmlns:a16="http://schemas.microsoft.com/office/drawing/2014/main" id="{82BB3768-2AA3-2348-A25E-59237B4D8FA3}"/>
+              </a:ext>
+            </a:extLst>
+          </p:cNvPr>
+          <p:cNvSpPr txBox="1"/>
+          <p:nvPr/>
+        </p:nvSpPr>
+        <p:spPr>
+          <a:xfrm>
+            <a:off x="579739" y="3788771"/>
+            <a:ext cx="3775393" cy="1938992"/>
+          </a:xfrm>
+          <a:prstGeom prst="rect">
+            <a:avLst/>
+          </a:prstGeom>
+          <a:noFill/>
+        </p:spPr>
+        <p:txBody>
+          <a:bodyPr wrap="none" rtlCol="0">
+            <a:spAutoFit/>
+          </a:bodyPr>
+          <a:lstStyle/>
+          <a:p>
+            <a:r>
+              <a:rPr lang="ja-JP" altLang="en-US" sz="4000"/>
+              <a:t>年齢による分布</a:t>
+            </a:r>
+            <a:endParaRPr lang="en-US" altLang="ja-JP" sz="4000" dirty="0"/>
+          </a:p>
+          <a:p>
+            <a:r>
+              <a:rPr kumimoji="1" lang="ja-JP" altLang="en-US" sz="4000"/>
+              <a:t>性別による分布</a:t>
+            </a:r>
+            <a:endParaRPr kumimoji="1" lang="en-US" altLang="ja-JP" sz="4000" dirty="0"/>
+          </a:p>
+          <a:p>
+            <a:r>
+              <a:rPr lang="en-US" altLang="ja-JP" sz="4000" dirty="0"/>
+              <a:t>…</a:t>
+            </a:r>
+            <a:endParaRPr kumimoji="1" lang="ja-JP" altLang="en-US" sz="4000"/>
+          </a:p>
+        </p:txBody>
+      </p:sp>
+      <p:sp>
+        <p:nvSpPr>
+          <p:cNvPr id="11" name="テキスト ボックス 10">
+            <a:extLst>
+              <a:ext uri="{FF2B5EF4-FFF2-40B4-BE49-F238E27FC236}">
+                <a16:creationId xmlns:a16="http://schemas.microsoft.com/office/drawing/2014/main" id="{AA28243D-EFA0-D94A-B414-8F0576192917}"/>
+              </a:ext>
+            </a:extLst>
+          </p:cNvPr>
+          <p:cNvSpPr txBox="1"/>
+          <p:nvPr/>
+        </p:nvSpPr>
+        <p:spPr>
+          <a:xfrm>
+            <a:off x="5604193" y="4016167"/>
+            <a:ext cx="3262432" cy="523220"/>
+          </a:xfrm>
+          <a:prstGeom prst="rect">
+            <a:avLst/>
+          </a:prstGeom>
+          <a:noFill/>
+        </p:spPr>
+        <p:txBody>
+          <a:bodyPr wrap="square" rtlCol="0">
+            <a:spAutoFit/>
+          </a:bodyPr>
+          <a:lstStyle/>
+          <a:p>
+            <a:r>
+              <a:rPr lang="ja-JP" altLang="en-US" sz="2800"/>
+              <a:t>検証</a:t>
+            </a:r>
+            <a:endParaRPr kumimoji="1" lang="ja-JP" altLang="en-US" sz="2800"/>
+          </a:p>
+        </p:txBody>
+      </p:sp>
+      <p:sp>
+        <p:nvSpPr>
+          <p:cNvPr id="13" name="テキスト ボックス 12">
+            <a:extLst>
+              <a:ext uri="{FF2B5EF4-FFF2-40B4-BE49-F238E27FC236}">
+                <a16:creationId xmlns:a16="http://schemas.microsoft.com/office/drawing/2014/main" id="{CD62EB0B-7E96-0943-8198-9F71E6656B42}"/>
+              </a:ext>
+            </a:extLst>
+          </p:cNvPr>
+          <p:cNvSpPr txBox="1"/>
+          <p:nvPr/>
+        </p:nvSpPr>
+        <p:spPr>
+          <a:xfrm>
+            <a:off x="8259461" y="3788771"/>
+            <a:ext cx="3775393" cy="1938992"/>
+          </a:xfrm>
+          <a:prstGeom prst="rect">
+            <a:avLst/>
+          </a:prstGeom>
+          <a:noFill/>
+        </p:spPr>
+        <p:txBody>
+          <a:bodyPr wrap="none" rtlCol="0">
+            <a:spAutoFit/>
+          </a:bodyPr>
+          <a:lstStyle/>
+          <a:p>
+            <a:r>
+              <a:rPr lang="ja-JP" altLang="en-US" sz="4000"/>
+              <a:t>選ばれた分布１</a:t>
+            </a:r>
+            <a:endParaRPr lang="en-US" altLang="ja-JP" sz="4000" dirty="0"/>
+          </a:p>
+          <a:p>
+            <a:r>
+              <a:rPr lang="ja-JP" altLang="en-US" sz="4000"/>
+              <a:t>選ばれた分布２</a:t>
+            </a:r>
+            <a:endParaRPr lang="en-US" altLang="ja-JP" sz="4000" dirty="0"/>
+          </a:p>
+          <a:p>
+            <a:r>
+              <a:rPr lang="en-US" altLang="ja-JP" sz="4000" dirty="0"/>
+              <a:t>…</a:t>
+            </a:r>
+            <a:endParaRPr kumimoji="1" lang="ja-JP" altLang="en-US" sz="4000"/>
           </a:p>
         </p:txBody>
       </p:sp>
     </p:spTree>
     <p:extLst>
       <p:ext uri="{BB962C8B-B14F-4D97-AF65-F5344CB8AC3E}">
-        <p14:creationId xmlns:p14="http://schemas.microsoft.com/office/powerpoint/2010/main" val="936680532"/>
+        <p14:creationId xmlns:p14="http://schemas.microsoft.com/office/powerpoint/2010/main" val="402436661"/>
       </p:ext>
     </p:extLst>
   </p:cSld>
@@ -5836,22 +8480,21 @@
         <p:spPr/>
         <p:txBody>
           <a:bodyPr>
-            <a:normAutofit/>
+            <a:normAutofit fontScale="90000"/>
           </a:bodyPr>
           <a:lstStyle/>
           <a:p>
             <a:r>
               <a:rPr lang="en-US" altLang="ja-JP" dirty="0"/>
-              <a:t>2. </a:t>
-            </a:r>
-            <a:r>
-              <a:rPr lang="en-US" altLang="ja-JP" dirty="0" err="1"/>
-              <a:t>tensorflow</a:t>
+              <a:t>2.</a:t>
             </a:r>
             <a:r>
               <a:rPr lang="ja-JP" altLang="en-US"/>
-              <a:t>バージョン２に対応させた</a:t>
-            </a:r>
+              <a:t>どういうことをやりたいかについて考えた</a:t>
+            </a:r>
+            <a:br>
+              <a:rPr lang="ja-JP" altLang="en-US"/>
+            </a:br>
             <a:endParaRPr kumimoji="1" lang="ja-JP" altLang="en-US"/>
           </a:p>
         </p:txBody>
@@ -5881,42 +8524,192 @@
           <a:p>
             <a:r>
               <a:rPr kumimoji="1" lang="en-US" altLang="ja-JP" sz="4400" dirty="0"/>
-              <a:t>NFS</a:t>
+              <a:t>CM</a:t>
             </a:r>
             <a:r>
               <a:rPr kumimoji="1" lang="ja-JP" altLang="en-US" sz="4400"/>
-              <a:t>に置いてあるやつを参考にさせていただきました。</a:t>
+              <a:t>の要因を定量化する</a:t>
             </a:r>
             <a:endParaRPr kumimoji="1" lang="en-US" altLang="ja-JP" sz="4400" dirty="0"/>
           </a:p>
           <a:p>
             <a:endParaRPr kumimoji="1" lang="en-US" altLang="ja-JP" sz="4400" dirty="0"/>
           </a:p>
-          <a:p>
-            <a:r>
-              <a:rPr lang="ja-JP" altLang="en-US" sz="4400"/>
-              <a:t>主に　</a:t>
-            </a:r>
-            <a:r>
-              <a:rPr lang="en-US" altLang="ja-JP" sz="4400" dirty="0" err="1"/>
-              <a:t>tf</a:t>
-            </a:r>
-            <a:r>
-              <a:rPr lang="en-US" altLang="ja-JP" sz="4400" dirty="0"/>
-              <a:t>. -&gt; tf.compat.v1 </a:t>
-            </a:r>
-            <a:r>
-              <a:rPr lang="ja-JP" altLang="en-US" sz="4400"/>
-              <a:t>にした</a:t>
-            </a:r>
-            <a:endParaRPr kumimoji="1" lang="en-US" altLang="ja-JP" sz="4400" dirty="0"/>
+        </p:txBody>
+      </p:sp>
+      <p:cxnSp>
+        <p:nvCxnSpPr>
+          <p:cNvPr id="5" name="直線矢印コネクタ 4">
+            <a:extLst>
+              <a:ext uri="{FF2B5EF4-FFF2-40B4-BE49-F238E27FC236}">
+                <a16:creationId xmlns:a16="http://schemas.microsoft.com/office/drawing/2014/main" id="{B59D694E-21B4-9B42-A49F-EFE6E998C03C}"/>
+              </a:ext>
+            </a:extLst>
+          </p:cNvPr>
+          <p:cNvCxnSpPr>
+            <a:cxnSpLocks/>
+          </p:cNvCxnSpPr>
+          <p:nvPr/>
+        </p:nvCxnSpPr>
+        <p:spPr>
+          <a:xfrm>
+            <a:off x="2355850" y="4918340"/>
+            <a:ext cx="812800" cy="0"/>
+          </a:xfrm>
+          <a:prstGeom prst="straightConnector1">
+            <a:avLst/>
+          </a:prstGeom>
+          <a:ln>
+            <a:tailEnd type="triangle"/>
+          </a:ln>
+        </p:spPr>
+        <p:style>
+          <a:lnRef idx="1">
+            <a:schemeClr val="accent1"/>
+          </a:lnRef>
+          <a:fillRef idx="0">
+            <a:schemeClr val="accent1"/>
+          </a:fillRef>
+          <a:effectRef idx="0">
+            <a:schemeClr val="accent1"/>
+          </a:effectRef>
+          <a:fontRef idx="minor">
+            <a:schemeClr val="tx1"/>
+          </a:fontRef>
+        </p:style>
+      </p:cxnSp>
+      <p:sp>
+        <p:nvSpPr>
+          <p:cNvPr id="8" name="テキスト ボックス 7">
+            <a:extLst>
+              <a:ext uri="{FF2B5EF4-FFF2-40B4-BE49-F238E27FC236}">
+                <a16:creationId xmlns:a16="http://schemas.microsoft.com/office/drawing/2014/main" id="{86E2107F-EE03-3747-9B93-2D55CDA590CF}"/>
+              </a:ext>
+            </a:extLst>
+          </p:cNvPr>
+          <p:cNvSpPr txBox="1"/>
+          <p:nvPr/>
+        </p:nvSpPr>
+        <p:spPr>
+          <a:xfrm>
+            <a:off x="1093951" y="4605867"/>
+            <a:ext cx="1005403" cy="707886"/>
+          </a:xfrm>
+          <a:prstGeom prst="rect">
+            <a:avLst/>
+          </a:prstGeom>
+          <a:noFill/>
+        </p:spPr>
+        <p:txBody>
+          <a:bodyPr wrap="none" rtlCol="0">
+            <a:spAutoFit/>
+          </a:bodyPr>
+          <a:lstStyle/>
+          <a:p>
+            <a:r>
+              <a:rPr lang="en-US" altLang="ja-JP" sz="4000" dirty="0"/>
+              <a:t>CM</a:t>
+            </a:r>
+            <a:endParaRPr kumimoji="1" lang="ja-JP" altLang="en-US" sz="4000"/>
+          </a:p>
+        </p:txBody>
+      </p:sp>
+      <p:sp>
+        <p:nvSpPr>
+          <p:cNvPr id="11" name="テキスト ボックス 10">
+            <a:extLst>
+              <a:ext uri="{FF2B5EF4-FFF2-40B4-BE49-F238E27FC236}">
+                <a16:creationId xmlns:a16="http://schemas.microsoft.com/office/drawing/2014/main" id="{7C9DB926-9F3A-5046-AF9E-CFD1829565F5}"/>
+              </a:ext>
+            </a:extLst>
+          </p:cNvPr>
+          <p:cNvSpPr txBox="1"/>
+          <p:nvPr/>
+        </p:nvSpPr>
+        <p:spPr>
+          <a:xfrm>
+            <a:off x="3494251" y="3647351"/>
+            <a:ext cx="8143576" cy="3170099"/>
+          </a:xfrm>
+          <a:prstGeom prst="rect">
+            <a:avLst/>
+          </a:prstGeom>
+          <a:noFill/>
+        </p:spPr>
+        <p:txBody>
+          <a:bodyPr wrap="none" rtlCol="0">
+            <a:spAutoFit/>
+          </a:bodyPr>
+          <a:lstStyle/>
+          <a:p>
+            <a:r>
+              <a:rPr kumimoji="1" lang="en-US" altLang="ja-JP" sz="4000" dirty="0"/>
+              <a:t>80%</a:t>
+            </a:r>
+            <a:r>
+              <a:rPr kumimoji="1" lang="ja-JP" altLang="en-US" sz="4000"/>
+              <a:t>の確率で幼児向けの</a:t>
+            </a:r>
+            <a:r>
+              <a:rPr kumimoji="1" lang="en-US" altLang="ja-JP" sz="4000" dirty="0"/>
+              <a:t>CM</a:t>
+            </a:r>
+            <a:r>
+              <a:rPr kumimoji="1" lang="ja-JP" altLang="en-US" sz="4000"/>
+              <a:t>である</a:t>
+            </a:r>
+            <a:endParaRPr kumimoji="1" lang="en-US" altLang="ja-JP" sz="4000" dirty="0"/>
+          </a:p>
+          <a:p>
+            <a:endParaRPr lang="en-US" altLang="ja-JP" sz="4000" dirty="0"/>
+          </a:p>
+          <a:p>
+            <a:r>
+              <a:rPr lang="en-US" altLang="ja-JP" sz="4000" dirty="0"/>
+              <a:t>20</a:t>
+            </a:r>
+            <a:r>
+              <a:rPr kumimoji="1" lang="en-US" altLang="ja-JP" sz="4000" dirty="0"/>
+              <a:t>%</a:t>
+            </a:r>
+            <a:r>
+              <a:rPr kumimoji="1" lang="ja-JP" altLang="en-US" sz="4000"/>
+              <a:t>の確率で男性向けの</a:t>
+            </a:r>
+            <a:r>
+              <a:rPr kumimoji="1" lang="en-US" altLang="ja-JP" sz="4000" dirty="0"/>
+              <a:t>CM</a:t>
+            </a:r>
+            <a:r>
+              <a:rPr kumimoji="1" lang="ja-JP" altLang="en-US" sz="4000"/>
+              <a:t>である</a:t>
+            </a:r>
+            <a:endParaRPr kumimoji="1" lang="en-US" altLang="ja-JP" sz="4000" dirty="0"/>
+          </a:p>
+          <a:p>
+            <a:endParaRPr lang="en-US" altLang="ja-JP" sz="4000" dirty="0"/>
+          </a:p>
+          <a:p>
+            <a:r>
+              <a:rPr lang="ja-JP" altLang="en-US" sz="4000"/>
+              <a:t>＊誰向けの</a:t>
+            </a:r>
+            <a:r>
+              <a:rPr lang="en-US" altLang="ja-JP" sz="4000" dirty="0"/>
+              <a:t>CM</a:t>
+            </a:r>
+            <a:r>
+              <a:rPr lang="ja-JP" altLang="en-US" sz="4000"/>
+              <a:t>かわからない</a:t>
+            </a:r>
+            <a:endParaRPr kumimoji="1" lang="ja-JP" altLang="en-US" sz="4000"/>
           </a:p>
         </p:txBody>
       </p:sp>
     </p:spTree>
     <p:extLst>
       <p:ext uri="{BB962C8B-B14F-4D97-AF65-F5344CB8AC3E}">
-        <p14:creationId xmlns:p14="http://schemas.microsoft.com/office/powerpoint/2010/main" val="1986680180"/>
+        <p14:creationId xmlns:p14="http://schemas.microsoft.com/office/powerpoint/2010/main" val="3435320949"/>
       </p:ext>
     </p:extLst>
   </p:cSld>
